--- a/ML Project Final Presentation2023.pptx
+++ b/ML Project Final Presentation2023.pptx
@@ -5,10 +5,10 @@
     <p:sldMasterId id="2147483660" r:id="rId1"/>
   </p:sldMasterIdLst>
   <p:notesMasterIdLst>
-    <p:notesMasterId r:id="rId24"/>
+    <p:notesMasterId r:id="rId22"/>
   </p:notesMasterIdLst>
   <p:handoutMasterIdLst>
-    <p:handoutMasterId r:id="rId25"/>
+    <p:handoutMasterId r:id="rId23"/>
   </p:handoutMasterIdLst>
   <p:sldIdLst>
     <p:sldId id="256" r:id="rId2"/>
@@ -31,8 +31,6 @@
     <p:sldId id="366" r:id="rId19"/>
     <p:sldId id="370" r:id="rId20"/>
     <p:sldId id="294" r:id="rId21"/>
-    <p:sldId id="371" r:id="rId22"/>
-    <p:sldId id="372" r:id="rId23"/>
   </p:sldIdLst>
   <p:sldSz cx="9144000" cy="6858000" type="screen4x3"/>
   <p:notesSz cx="6735763" cy="9869488"/>
@@ -1513,90 +1511,6 @@
 </p:notes>
 </file>
 
-<file path=ppt/notesSlides/notesSlide19.xml><?xml version="1.0" encoding="utf-8"?>
-<p:notes xmlns:a="http://schemas.openxmlformats.org/drawingml/2006/main" xmlns:r="http://schemas.openxmlformats.org/officeDocument/2006/relationships" xmlns:p="http://schemas.openxmlformats.org/presentationml/2006/main">
-  <p:cSld>
-    <p:spTree>
-      <p:nvGrpSpPr>
-        <p:cNvPr id="1" name=""/>
-        <p:cNvGrpSpPr/>
-        <p:nvPr/>
-      </p:nvGrpSpPr>
-      <p:grpSpPr>
-        <a:xfrm>
-          <a:off x="0" y="0"/>
-          <a:ext cx="0" cy="0"/>
-          <a:chOff x="0" y="0"/>
-          <a:chExt cx="0" cy="0"/>
-        </a:xfrm>
-      </p:grpSpPr>
-      <p:sp>
-        <p:nvSpPr>
-          <p:cNvPr id="2" name="Slide Image Placeholder 1"/>
-          <p:cNvSpPr>
-            <a:spLocks noGrp="1" noRot="1" noChangeAspect="1"/>
-          </p:cNvSpPr>
-          <p:nvPr>
-            <p:ph type="sldImg"/>
-          </p:nvPr>
-        </p:nvSpPr>
-        <p:spPr/>
-      </p:sp>
-      <p:sp>
-        <p:nvSpPr>
-          <p:cNvPr id="3" name="Notes Placeholder 2"/>
-          <p:cNvSpPr>
-            <a:spLocks noGrp="1"/>
-          </p:cNvSpPr>
-          <p:nvPr>
-            <p:ph type="body" idx="1"/>
-          </p:nvPr>
-        </p:nvSpPr>
-        <p:spPr/>
-        <p:txBody>
-          <a:bodyPr/>
-          <a:lstStyle/>
-          <a:p>
-            <a:endParaRPr lang="en-US" dirty="0"/>
-          </a:p>
-        </p:txBody>
-      </p:sp>
-      <p:sp>
-        <p:nvSpPr>
-          <p:cNvPr id="4" name="Slide Number Placeholder 3"/>
-          <p:cNvSpPr>
-            <a:spLocks noGrp="1"/>
-          </p:cNvSpPr>
-          <p:nvPr>
-            <p:ph type="sldNum" sz="quarter" idx="10"/>
-          </p:nvPr>
-        </p:nvSpPr>
-        <p:spPr/>
-        <p:txBody>
-          <a:bodyPr/>
-          <a:lstStyle/>
-          <a:p>
-            <a:fld id="{9904CEAA-E788-4DE2-9447-F5116AA24646}" type="slidenum">
-              <a:rPr lang="en-US" smtClean="0"/>
-              <a:t>21</a:t>
-            </a:fld>
-            <a:endParaRPr lang="en-US"/>
-          </a:p>
-        </p:txBody>
-      </p:sp>
-    </p:spTree>
-    <p:extLst>
-      <p:ext uri="{BB962C8B-B14F-4D97-AF65-F5344CB8AC3E}">
-        <p14:creationId xmlns:p14="http://schemas.microsoft.com/office/powerpoint/2010/main" val="3872250126"/>
-      </p:ext>
-    </p:extLst>
-  </p:cSld>
-  <p:clrMapOvr>
-    <a:masterClrMapping/>
-  </p:clrMapOvr>
-</p:notes>
-</file>
-
 <file path=ppt/notesSlides/notesSlide2.xml><?xml version="1.0" encoding="utf-8"?>
 <p:notes xmlns:a="http://schemas.openxmlformats.org/drawingml/2006/main" xmlns:r="http://schemas.openxmlformats.org/officeDocument/2006/relationships" xmlns:p="http://schemas.openxmlformats.org/presentationml/2006/main">
   <p:cSld>
@@ -1672,90 +1586,6 @@
     <p:extLst>
       <p:ext uri="{BB962C8B-B14F-4D97-AF65-F5344CB8AC3E}">
         <p14:creationId xmlns:p14="http://schemas.microsoft.com/office/powerpoint/2010/main" val="797649522"/>
-      </p:ext>
-    </p:extLst>
-  </p:cSld>
-  <p:clrMapOvr>
-    <a:masterClrMapping/>
-  </p:clrMapOvr>
-</p:notes>
-</file>
-
-<file path=ppt/notesSlides/notesSlide20.xml><?xml version="1.0" encoding="utf-8"?>
-<p:notes xmlns:a="http://schemas.openxmlformats.org/drawingml/2006/main" xmlns:r="http://schemas.openxmlformats.org/officeDocument/2006/relationships" xmlns:p="http://schemas.openxmlformats.org/presentationml/2006/main">
-  <p:cSld>
-    <p:spTree>
-      <p:nvGrpSpPr>
-        <p:cNvPr id="1" name=""/>
-        <p:cNvGrpSpPr/>
-        <p:nvPr/>
-      </p:nvGrpSpPr>
-      <p:grpSpPr>
-        <a:xfrm>
-          <a:off x="0" y="0"/>
-          <a:ext cx="0" cy="0"/>
-          <a:chOff x="0" y="0"/>
-          <a:chExt cx="0" cy="0"/>
-        </a:xfrm>
-      </p:grpSpPr>
-      <p:sp>
-        <p:nvSpPr>
-          <p:cNvPr id="2" name="Slide Image Placeholder 1"/>
-          <p:cNvSpPr>
-            <a:spLocks noGrp="1" noRot="1" noChangeAspect="1"/>
-          </p:cNvSpPr>
-          <p:nvPr>
-            <p:ph type="sldImg"/>
-          </p:nvPr>
-        </p:nvSpPr>
-        <p:spPr/>
-      </p:sp>
-      <p:sp>
-        <p:nvSpPr>
-          <p:cNvPr id="3" name="Notes Placeholder 2"/>
-          <p:cNvSpPr>
-            <a:spLocks noGrp="1"/>
-          </p:cNvSpPr>
-          <p:nvPr>
-            <p:ph type="body" idx="1"/>
-          </p:nvPr>
-        </p:nvSpPr>
-        <p:spPr/>
-        <p:txBody>
-          <a:bodyPr/>
-          <a:lstStyle/>
-          <a:p>
-            <a:endParaRPr lang="en-US" dirty="0"/>
-          </a:p>
-        </p:txBody>
-      </p:sp>
-      <p:sp>
-        <p:nvSpPr>
-          <p:cNvPr id="4" name="Slide Number Placeholder 3"/>
-          <p:cNvSpPr>
-            <a:spLocks noGrp="1"/>
-          </p:cNvSpPr>
-          <p:nvPr>
-            <p:ph type="sldNum" sz="quarter" idx="10"/>
-          </p:nvPr>
-        </p:nvSpPr>
-        <p:spPr/>
-        <p:txBody>
-          <a:bodyPr/>
-          <a:lstStyle/>
-          <a:p>
-            <a:fld id="{9904CEAA-E788-4DE2-9447-F5116AA24646}" type="slidenum">
-              <a:rPr lang="en-US" smtClean="0"/>
-              <a:t>22</a:t>
-            </a:fld>
-            <a:endParaRPr lang="en-US"/>
-          </a:p>
-        </p:txBody>
-      </p:sp>
-    </p:spTree>
-    <p:extLst>
-      <p:ext uri="{BB962C8B-B14F-4D97-AF65-F5344CB8AC3E}">
-        <p14:creationId xmlns:p14="http://schemas.microsoft.com/office/powerpoint/2010/main" val="4091021174"/>
       </p:ext>
     </p:extLst>
   </p:cSld>
@@ -2145,62 +1975,6 @@
           <a:bodyPr/>
           <a:lstStyle/>
           <a:p>
-            <a:pPr marL="0" marR="0" lvl="0" indent="0" algn="l" defTabSz="914400" rtl="0" eaLnBrk="1" fontAlgn="auto" latinLnBrk="0" hangingPunct="1">
-              <a:lnSpc>
-                <a:spcPct val="100000"/>
-              </a:lnSpc>
-              <a:spcBef>
-                <a:spcPts val="0"/>
-              </a:spcBef>
-              <a:spcAft>
-                <a:spcPts val="0"/>
-              </a:spcAft>
-              <a:buClrTx/>
-              <a:buSzTx/>
-              <a:buFontTx/>
-              <a:buNone/>
-              <a:tabLst/>
-              <a:defRPr/>
-            </a:pPr>
-            <a:r>
-              <a:rPr lang="en-US" sz="1200" kern="1200">
-                <a:solidFill>
-                  <a:schemeClr val="tx1"/>
-                </a:solidFill>
-                <a:effectLst/>
-                <a:latin typeface="+mn-lt"/>
-                <a:ea typeface="+mn-ea"/>
-                <a:cs typeface="+mn-cs"/>
-              </a:rPr>
-              <a:t>In this paper, we present a technique to generate test data from UML-based Web Engineering</a:t>
-            </a:r>
-            <a:r>
-              <a:rPr lang="vi-VN" sz="1200" kern="1200">
-                <a:solidFill>
-                  <a:schemeClr val="tx1"/>
-                </a:solidFill>
-                <a:effectLst/>
-                <a:latin typeface="+mn-lt"/>
-                <a:ea typeface="+mn-ea"/>
-                <a:cs typeface="+mn-cs"/>
-              </a:rPr>
-              <a:t> (UWE)</a:t>
-            </a:r>
-            <a:r>
-              <a:rPr lang="en-US" sz="1200" kern="1200">
-                <a:solidFill>
-                  <a:schemeClr val="tx1"/>
-                </a:solidFill>
-                <a:effectLst/>
-                <a:latin typeface="+mn-lt"/>
-                <a:ea typeface="+mn-ea"/>
-                <a:cs typeface="+mn-cs"/>
-              </a:rPr>
-              <a:t> presentation model for web application testing by using formal specification and Z3 SMT solver. We also build a model-based testing Eclipse Plug-in tool called TESTGER-UWE that generates test data based on the model of UWE for the web application. We evaluate the proposed methods by applying them to generate test data for an Address Book project of UWE. Experimental results show that our proposed methods can reduce the time significantly when generating test data for automation test tools such as Selenium, Katalon, Unit test, etc. </a:t>
-            </a:r>
-            <a:endParaRPr lang="en-US"/>
-          </a:p>
-          <a:p>
             <a:endParaRPr lang="en-US" dirty="0"/>
           </a:p>
         </p:txBody>
@@ -2284,62 +2058,6 @@
         <p:txBody>
           <a:bodyPr/>
           <a:lstStyle/>
-          <a:p>
-            <a:pPr marL="0" marR="0" lvl="0" indent="0" algn="l" defTabSz="914400" rtl="0" eaLnBrk="1" fontAlgn="auto" latinLnBrk="0" hangingPunct="1">
-              <a:lnSpc>
-                <a:spcPct val="100000"/>
-              </a:lnSpc>
-              <a:spcBef>
-                <a:spcPts val="0"/>
-              </a:spcBef>
-              <a:spcAft>
-                <a:spcPts val="0"/>
-              </a:spcAft>
-              <a:buClrTx/>
-              <a:buSzTx/>
-              <a:buFontTx/>
-              <a:buNone/>
-              <a:tabLst/>
-              <a:defRPr/>
-            </a:pPr>
-            <a:r>
-              <a:rPr lang="en-US" sz="1200" kern="1200">
-                <a:solidFill>
-                  <a:schemeClr val="tx1"/>
-                </a:solidFill>
-                <a:effectLst/>
-                <a:latin typeface="+mn-lt"/>
-                <a:ea typeface="+mn-ea"/>
-                <a:cs typeface="+mn-cs"/>
-              </a:rPr>
-              <a:t>In this paper, we present a technique to generate test data from UML-based Web Engineering</a:t>
-            </a:r>
-            <a:r>
-              <a:rPr lang="vi-VN" sz="1200" kern="1200">
-                <a:solidFill>
-                  <a:schemeClr val="tx1"/>
-                </a:solidFill>
-                <a:effectLst/>
-                <a:latin typeface="+mn-lt"/>
-                <a:ea typeface="+mn-ea"/>
-                <a:cs typeface="+mn-cs"/>
-              </a:rPr>
-              <a:t> (UWE)</a:t>
-            </a:r>
-            <a:r>
-              <a:rPr lang="en-US" sz="1200" kern="1200">
-                <a:solidFill>
-                  <a:schemeClr val="tx1"/>
-                </a:solidFill>
-                <a:effectLst/>
-                <a:latin typeface="+mn-lt"/>
-                <a:ea typeface="+mn-ea"/>
-                <a:cs typeface="+mn-cs"/>
-              </a:rPr>
-              <a:t> presentation model for web application testing by using formal specification and Z3 SMT solver. We also build a model-based testing Eclipse Plug-in tool called TESTGER-UWE that generates test data based on the model of UWE for the web application. We evaluate the proposed methods by applying them to generate test data for an Address Book project of UWE. Experimental results show that our proposed methods can reduce the time significantly when generating test data for automation test tools such as Selenium, Katalon, Unit test, etc. </a:t>
-            </a:r>
-            <a:endParaRPr lang="en-US"/>
-          </a:p>
           <a:p>
             <a:endParaRPr lang="en-US" dirty="0"/>
           </a:p>
@@ -5757,7 +5475,7 @@
 </file>
 
 <file path=ppt/slides/slide11.xml><?xml version="1.0" encoding="utf-8"?>
-<p:sld xmlns:a="http://schemas.openxmlformats.org/drawingml/2006/main" xmlns:r="http://schemas.openxmlformats.org/officeDocument/2006/relationships" xmlns:p="http://schemas.openxmlformats.org/presentationml/2006/main" show="0">
+<p:sld xmlns:a="http://schemas.openxmlformats.org/drawingml/2006/main" xmlns:r="http://schemas.openxmlformats.org/officeDocument/2006/relationships" xmlns:p="http://schemas.openxmlformats.org/presentationml/2006/main">
   <p:cSld>
     <p:spTree>
       <p:nvGrpSpPr>
@@ -5911,7 +5629,7 @@
 </file>
 
 <file path=ppt/slides/slide12.xml><?xml version="1.0" encoding="utf-8"?>
-<p:sld xmlns:a="http://schemas.openxmlformats.org/drawingml/2006/main" xmlns:r="http://schemas.openxmlformats.org/officeDocument/2006/relationships" xmlns:p="http://schemas.openxmlformats.org/presentationml/2006/main" show="0">
+<p:sld xmlns:a="http://schemas.openxmlformats.org/drawingml/2006/main" xmlns:r="http://schemas.openxmlformats.org/officeDocument/2006/relationships" xmlns:p="http://schemas.openxmlformats.org/presentationml/2006/main">
   <p:cSld>
     <p:spTree>
       <p:nvGrpSpPr>
@@ -7819,7 +7537,7 @@
                 <a:latin typeface="Segoe UI" panose="020B0502040204020203" pitchFamily="34" charset="0"/>
                 <a:ea typeface="Times New Roman" panose="02020603050405020304" pitchFamily="18" charset="0"/>
               </a:rPr>
-              <a:t>Demonstrate the “Real-world” Applications: Apply ML Algorithms/ Models that we have learned to solve “the real” problems. (small case)</a:t>
+              <a:t>Demonstrate the “Real-world” Applications: Apply ML Algorithms/ Models that we have learned to solve “the real” problems. (just a small case)</a:t>
             </a:r>
             <a:endParaRPr lang="en-US" sz="1800">
               <a:effectLst/>
@@ -7847,7 +7565,7 @@
                 <a:latin typeface="Segoe UI" panose="020B0502040204020203" pitchFamily="34" charset="0"/>
                 <a:ea typeface="Times New Roman" panose="02020603050405020304" pitchFamily="18" charset="0"/>
               </a:rPr>
-              <a:t>How to / the approach to deliver the course ML to students (lectures/Quiz, Assignments, team projects, teamwork…)</a:t>
+              <a:t>How to / the approach to deliver the course ML to students (lectures/ Quiz, Assignments, team projects, teamwork…)</a:t>
             </a:r>
             <a:endParaRPr lang="en-US" sz="1800">
               <a:effectLst/>
@@ -8481,12 +8199,8 @@
               <a:buNone/>
             </a:pPr>
             <a:r>
-              <a:rPr lang="en-US" sz="3600" b="1" dirty="0" err="1"/>
-              <a:t>Cảm</a:t>
-            </a:r>
-            <a:r>
-              <a:rPr lang="en-US" sz="3600" b="1" dirty="0"/>
-              <a:t> </a:t>
+              <a:rPr lang="en-US" sz="3600" b="1"/>
+              <a:t>Trân trọng Cảm </a:t>
             </a:r>
             <a:r>
               <a:rPr lang="en-US" sz="3600" b="1" dirty="0" err="1"/>
@@ -8503,314 +8217,6 @@
     <p:extLst>
       <p:ext uri="{BB962C8B-B14F-4D97-AF65-F5344CB8AC3E}">
         <p14:creationId xmlns:p14="http://schemas.microsoft.com/office/powerpoint/2010/main" val="3458235195"/>
-      </p:ext>
-    </p:extLst>
-  </p:cSld>
-  <p:clrMapOvr>
-    <a:masterClrMapping/>
-  </p:clrMapOvr>
-</p:sld>
-</file>
-
-<file path=ppt/slides/slide21.xml><?xml version="1.0" encoding="utf-8"?>
-<p:sld xmlns:a="http://schemas.openxmlformats.org/drawingml/2006/main" xmlns:r="http://schemas.openxmlformats.org/officeDocument/2006/relationships" xmlns:p="http://schemas.openxmlformats.org/presentationml/2006/main">
-  <p:cSld>
-    <p:spTree>
-      <p:nvGrpSpPr>
-        <p:cNvPr id="1" name=""/>
-        <p:cNvGrpSpPr/>
-        <p:nvPr/>
-      </p:nvGrpSpPr>
-      <p:grpSpPr>
-        <a:xfrm>
-          <a:off x="0" y="0"/>
-          <a:ext cx="0" cy="0"/>
-          <a:chOff x="0" y="0"/>
-          <a:chExt cx="0" cy="0"/>
-        </a:xfrm>
-      </p:grpSpPr>
-      <p:sp>
-        <p:nvSpPr>
-          <p:cNvPr id="3" name="Content Placeholder 2"/>
-          <p:cNvSpPr>
-            <a:spLocks noGrp="1"/>
-          </p:cNvSpPr>
-          <p:nvPr>
-            <p:ph idx="1"/>
-          </p:nvPr>
-        </p:nvSpPr>
-        <p:spPr>
-          <a:xfrm>
-            <a:off x="190500" y="1225822"/>
-            <a:ext cx="8763000" cy="5029199"/>
-          </a:xfrm>
-        </p:spPr>
-        <p:txBody>
-          <a:bodyPr>
-            <a:normAutofit/>
-          </a:bodyPr>
-          <a:lstStyle/>
-          <a:p>
-            <a:pPr marL="457200" lvl="1" indent="0">
-              <a:lnSpc>
-                <a:spcPct val="150000"/>
-              </a:lnSpc>
-              <a:buNone/>
-            </a:pPr>
-            <a:endParaRPr lang="en-US" sz="2000"/>
-          </a:p>
-          <a:p>
-            <a:pPr lvl="2">
-              <a:lnSpc>
-                <a:spcPct val="150000"/>
-              </a:lnSpc>
-            </a:pPr>
-            <a:endParaRPr lang="en-US" sz="2000"/>
-          </a:p>
-          <a:p>
-            <a:pPr lvl="1">
-              <a:lnSpc>
-                <a:spcPct val="150000"/>
-              </a:lnSpc>
-            </a:pPr>
-            <a:endParaRPr lang="en-US" sz="2000" dirty="0"/>
-          </a:p>
-        </p:txBody>
-      </p:sp>
-      <p:sp>
-        <p:nvSpPr>
-          <p:cNvPr id="5" name="Title 1"/>
-          <p:cNvSpPr txBox="1">
-            <a:spLocks/>
-          </p:cNvSpPr>
-          <p:nvPr/>
-        </p:nvSpPr>
-        <p:spPr>
-          <a:xfrm>
-            <a:off x="457200" y="636097"/>
-            <a:ext cx="8229600" cy="457200"/>
-          </a:xfrm>
-          <a:prstGeom prst="rect">
-            <a:avLst/>
-          </a:prstGeom>
-        </p:spPr>
-        <p:txBody>
-          <a:bodyPr vert="horz" lIns="91440" tIns="45720" rIns="91440" bIns="45720" rtlCol="0" anchor="ctr">
-            <a:noAutofit/>
-          </a:bodyPr>
-          <a:lstStyle>
-            <a:lvl1pPr algn="l" defTabSz="914400" rtl="0" eaLnBrk="1" latinLnBrk="0" hangingPunct="1">
-              <a:spcBef>
-                <a:spcPct val="0"/>
-              </a:spcBef>
-              <a:buNone/>
-              <a:defRPr sz="2800" b="1" kern="1200">
-                <a:solidFill>
-                  <a:srgbClr val="A60000"/>
-                </a:solidFill>
-                <a:latin typeface="Tahoma" pitchFamily="34" charset="0"/>
-                <a:ea typeface="Tahoma" pitchFamily="34" charset="0"/>
-                <a:cs typeface="Tahoma" pitchFamily="34" charset="0"/>
-              </a:defRPr>
-            </a:lvl1pPr>
-          </a:lstStyle>
-          <a:p>
-            <a:r>
-              <a:rPr lang="en-US" sz="2400"/>
-              <a:t>5. Machine learning models</a:t>
-            </a:r>
-            <a:endParaRPr lang="en-US" sz="2400" dirty="0"/>
-          </a:p>
-        </p:txBody>
-      </p:sp>
-      <p:pic>
-        <p:nvPicPr>
-          <p:cNvPr id="6" name="Picture 5">
-            <a:extLst>
-              <a:ext uri="{FF2B5EF4-FFF2-40B4-BE49-F238E27FC236}">
-                <a16:creationId xmlns:a16="http://schemas.microsoft.com/office/drawing/2014/main" id="{CFB1398B-72DD-B565-BA93-FA3708AAB2AB}"/>
-              </a:ext>
-            </a:extLst>
-          </p:cNvPr>
-          <p:cNvPicPr>
-            <a:picLocks noChangeAspect="1"/>
-          </p:cNvPicPr>
-          <p:nvPr/>
-        </p:nvPicPr>
-        <p:blipFill>
-          <a:blip r:embed="rId3"/>
-          <a:stretch>
-            <a:fillRect/>
-          </a:stretch>
-        </p:blipFill>
-        <p:spPr>
-          <a:xfrm>
-            <a:off x="121832" y="1149622"/>
-            <a:ext cx="8945968" cy="5237924"/>
-          </a:xfrm>
-          <a:prstGeom prst="rect">
-            <a:avLst/>
-          </a:prstGeom>
-        </p:spPr>
-      </p:pic>
-    </p:spTree>
-    <p:extLst>
-      <p:ext uri="{BB962C8B-B14F-4D97-AF65-F5344CB8AC3E}">
-        <p14:creationId xmlns:p14="http://schemas.microsoft.com/office/powerpoint/2010/main" val="2490013981"/>
-      </p:ext>
-    </p:extLst>
-  </p:cSld>
-  <p:clrMapOvr>
-    <a:masterClrMapping/>
-  </p:clrMapOvr>
-</p:sld>
-</file>
-
-<file path=ppt/slides/slide22.xml><?xml version="1.0" encoding="utf-8"?>
-<p:sld xmlns:a="http://schemas.openxmlformats.org/drawingml/2006/main" xmlns:r="http://schemas.openxmlformats.org/officeDocument/2006/relationships" xmlns:p="http://schemas.openxmlformats.org/presentationml/2006/main">
-  <p:cSld>
-    <p:spTree>
-      <p:nvGrpSpPr>
-        <p:cNvPr id="1" name=""/>
-        <p:cNvGrpSpPr/>
-        <p:nvPr/>
-      </p:nvGrpSpPr>
-      <p:grpSpPr>
-        <a:xfrm>
-          <a:off x="0" y="0"/>
-          <a:ext cx="0" cy="0"/>
-          <a:chOff x="0" y="0"/>
-          <a:chExt cx="0" cy="0"/>
-        </a:xfrm>
-      </p:grpSpPr>
-      <p:sp>
-        <p:nvSpPr>
-          <p:cNvPr id="3" name="Content Placeholder 2"/>
-          <p:cNvSpPr>
-            <a:spLocks noGrp="1"/>
-          </p:cNvSpPr>
-          <p:nvPr>
-            <p:ph idx="1"/>
-          </p:nvPr>
-        </p:nvSpPr>
-        <p:spPr>
-          <a:xfrm>
-            <a:off x="228600" y="1219200"/>
-            <a:ext cx="8763000" cy="5029199"/>
-          </a:xfrm>
-        </p:spPr>
-        <p:txBody>
-          <a:bodyPr>
-            <a:normAutofit/>
-          </a:bodyPr>
-          <a:lstStyle/>
-          <a:p>
-            <a:pPr marL="457200" lvl="1" indent="0">
-              <a:lnSpc>
-                <a:spcPct val="150000"/>
-              </a:lnSpc>
-              <a:buNone/>
-            </a:pPr>
-            <a:endParaRPr lang="en-US" sz="2000"/>
-          </a:p>
-          <a:p>
-            <a:pPr lvl="2">
-              <a:lnSpc>
-                <a:spcPct val="150000"/>
-              </a:lnSpc>
-            </a:pPr>
-            <a:endParaRPr lang="en-US" sz="2000"/>
-          </a:p>
-          <a:p>
-            <a:pPr lvl="1">
-              <a:lnSpc>
-                <a:spcPct val="150000"/>
-              </a:lnSpc>
-            </a:pPr>
-            <a:endParaRPr lang="en-US" sz="2000" dirty="0"/>
-          </a:p>
-        </p:txBody>
-      </p:sp>
-      <p:sp>
-        <p:nvSpPr>
-          <p:cNvPr id="5" name="Title 1"/>
-          <p:cNvSpPr txBox="1">
-            <a:spLocks/>
-          </p:cNvSpPr>
-          <p:nvPr/>
-        </p:nvSpPr>
-        <p:spPr>
-          <a:xfrm>
-            <a:off x="609600" y="685800"/>
-            <a:ext cx="8229600" cy="457200"/>
-          </a:xfrm>
-          <a:prstGeom prst="rect">
-            <a:avLst/>
-          </a:prstGeom>
-        </p:spPr>
-        <p:txBody>
-          <a:bodyPr vert="horz" lIns="91440" tIns="45720" rIns="91440" bIns="45720" rtlCol="0" anchor="ctr">
-            <a:noAutofit/>
-          </a:bodyPr>
-          <a:lstStyle>
-            <a:lvl1pPr algn="l" defTabSz="914400" rtl="0" eaLnBrk="1" latinLnBrk="0" hangingPunct="1">
-              <a:spcBef>
-                <a:spcPct val="0"/>
-              </a:spcBef>
-              <a:buNone/>
-              <a:defRPr sz="2800" b="1" kern="1200">
-                <a:solidFill>
-                  <a:srgbClr val="A60000"/>
-                </a:solidFill>
-                <a:latin typeface="Tahoma" pitchFamily="34" charset="0"/>
-                <a:ea typeface="Tahoma" pitchFamily="34" charset="0"/>
-                <a:cs typeface="Tahoma" pitchFamily="34" charset="0"/>
-              </a:defRPr>
-            </a:lvl1pPr>
-          </a:lstStyle>
-          <a:p>
-            <a:r>
-              <a:rPr lang="en-US" sz="2400"/>
-              <a:t>5. Machine learning models</a:t>
-            </a:r>
-            <a:endParaRPr lang="en-US" sz="2400" dirty="0"/>
-          </a:p>
-        </p:txBody>
-      </p:sp>
-      <p:pic>
-        <p:nvPicPr>
-          <p:cNvPr id="6" name="Picture 5">
-            <a:extLst>
-              <a:ext uri="{FF2B5EF4-FFF2-40B4-BE49-F238E27FC236}">
-                <a16:creationId xmlns:a16="http://schemas.microsoft.com/office/drawing/2014/main" id="{EF8380F4-D020-9AFF-1AA8-148DCFDDD241}"/>
-              </a:ext>
-            </a:extLst>
-          </p:cNvPr>
-          <p:cNvPicPr>
-            <a:picLocks noChangeAspect="1"/>
-          </p:cNvPicPr>
-          <p:nvPr/>
-        </p:nvPicPr>
-        <p:blipFill>
-          <a:blip r:embed="rId3"/>
-          <a:stretch>
-            <a:fillRect/>
-          </a:stretch>
-        </p:blipFill>
-        <p:spPr>
-          <a:xfrm>
-            <a:off x="73678" y="780820"/>
-            <a:ext cx="9070322" cy="5619980"/>
-          </a:xfrm>
-          <a:prstGeom prst="rect">
-            <a:avLst/>
-          </a:prstGeom>
-        </p:spPr>
-      </p:pic>
-    </p:spTree>
-    <p:extLst>
-      <p:ext uri="{BB962C8B-B14F-4D97-AF65-F5344CB8AC3E}">
-        <p14:creationId xmlns:p14="http://schemas.microsoft.com/office/powerpoint/2010/main" val="4125152069"/>
       </p:ext>
     </p:extLst>
   </p:cSld>
@@ -10918,6 +10324,51 @@
           </a:prstGeom>
         </p:spPr>
       </p:pic>
+      <p:sp>
+        <p:nvSpPr>
+          <p:cNvPr id="2" name="TextBox 1">
+            <a:extLst>
+              <a:ext uri="{FF2B5EF4-FFF2-40B4-BE49-F238E27FC236}">
+                <a16:creationId xmlns:a16="http://schemas.microsoft.com/office/drawing/2014/main" id="{9B650F1F-062F-8F5B-5C37-55E77001E707}"/>
+              </a:ext>
+            </a:extLst>
+          </p:cNvPr>
+          <p:cNvSpPr txBox="1"/>
+          <p:nvPr/>
+        </p:nvSpPr>
+        <p:spPr>
+          <a:xfrm>
+            <a:off x="2514600" y="6488668"/>
+            <a:ext cx="4419600" cy="369332"/>
+          </a:xfrm>
+          <a:prstGeom prst="rect">
+            <a:avLst/>
+          </a:prstGeom>
+          <a:noFill/>
+        </p:spPr>
+        <p:txBody>
+          <a:bodyPr wrap="square" rtlCol="0">
+            <a:spAutoFit/>
+          </a:bodyPr>
+          <a:lstStyle/>
+          <a:p>
+            <a:pPr algn="ctr"/>
+            <a:r>
+              <a:rPr lang="en-US" b="1">
+                <a:solidFill>
+                  <a:srgbClr val="FFFF00"/>
+                </a:solidFill>
+              </a:rPr>
+              <a:t>Train the Trainer Program for VN2023</a:t>
+            </a:r>
+            <a:endParaRPr lang="en-US" b="1" dirty="0">
+              <a:solidFill>
+                <a:srgbClr val="FFFF00"/>
+              </a:solidFill>
+            </a:endParaRPr>
+          </a:p>
+        </p:txBody>
+      </p:sp>
     </p:spTree>
     <p:extLst>
       <p:ext uri="{BB962C8B-B14F-4D97-AF65-F5344CB8AC3E}">

--- a/ML Project Final Presentation2023.pptx
+++ b/ML Project Final Presentation2023.pptx
@@ -5,10 +5,10 @@
     <p:sldMasterId id="2147483660" r:id="rId1"/>
   </p:sldMasterIdLst>
   <p:notesMasterIdLst>
-    <p:notesMasterId r:id="rId22"/>
+    <p:notesMasterId r:id="rId23"/>
   </p:notesMasterIdLst>
   <p:handoutMasterIdLst>
-    <p:handoutMasterId r:id="rId23"/>
+    <p:handoutMasterId r:id="rId24"/>
   </p:handoutMasterIdLst>
   <p:sldIdLst>
     <p:sldId id="256" r:id="rId2"/>
@@ -21,16 +21,17 @@
     <p:sldId id="337" r:id="rId9"/>
     <p:sldId id="367" r:id="rId10"/>
     <p:sldId id="361" r:id="rId11"/>
-    <p:sldId id="368" r:id="rId12"/>
-    <p:sldId id="369" r:id="rId13"/>
-    <p:sldId id="348" r:id="rId14"/>
+    <p:sldId id="348" r:id="rId12"/>
+    <p:sldId id="368" r:id="rId13"/>
+    <p:sldId id="369" r:id="rId14"/>
     <p:sldId id="364" r:id="rId15"/>
     <p:sldId id="365" r:id="rId16"/>
     <p:sldId id="362" r:id="rId17"/>
-    <p:sldId id="363" r:id="rId18"/>
-    <p:sldId id="366" r:id="rId19"/>
-    <p:sldId id="370" r:id="rId20"/>
-    <p:sldId id="294" r:id="rId21"/>
+    <p:sldId id="371" r:id="rId18"/>
+    <p:sldId id="363" r:id="rId19"/>
+    <p:sldId id="366" r:id="rId20"/>
+    <p:sldId id="370" r:id="rId21"/>
+    <p:sldId id="294" r:id="rId22"/>
   </p:sldIdLst>
   <p:sldSz cx="9144000" cy="6858000" type="screen4x3"/>
   <p:notesSz cx="6735763" cy="9869488"/>
@@ -230,7 +231,7 @@
           <a:p>
             <a:fld id="{73007280-874B-4C6F-AABE-809853FD4F7E}" type="datetimeFigureOut">
               <a:rPr lang="en-US" smtClean="0"/>
-              <a:t>21/07/2023</a:t>
+              <a:t>7/21/2023</a:t>
             </a:fld>
             <a:endParaRPr lang="en-US"/>
           </a:p>
@@ -395,7 +396,7 @@
           <a:p>
             <a:fld id="{0E54B98D-F154-45B7-B404-BBE285F3E68B}" type="datetimeFigureOut">
               <a:rPr lang="en-US" smtClean="0"/>
-              <a:t>21/07/2023</a:t>
+              <a:t>7/21/2023</a:t>
             </a:fld>
             <a:endParaRPr lang="en-US"/>
           </a:p>
@@ -820,7 +821,7 @@
     </p:spTree>
     <p:extLst>
       <p:ext uri="{BB962C8B-B14F-4D97-AF65-F5344CB8AC3E}">
-        <p14:creationId xmlns:p14="http://schemas.microsoft.com/office/powerpoint/2010/main" val="3580815808"/>
+        <p14:creationId xmlns:p14="http://schemas.microsoft.com/office/powerpoint/2010/main" val="2480381159"/>
       </p:ext>
     </p:extLst>
   </p:cSld>
@@ -904,7 +905,7 @@
     </p:spTree>
     <p:extLst>
       <p:ext uri="{BB962C8B-B14F-4D97-AF65-F5344CB8AC3E}">
-        <p14:creationId xmlns:p14="http://schemas.microsoft.com/office/powerpoint/2010/main" val="555778055"/>
+        <p14:creationId xmlns:p14="http://schemas.microsoft.com/office/powerpoint/2010/main" val="3580815808"/>
       </p:ext>
     </p:extLst>
   </p:cSld>
@@ -988,7 +989,7 @@
     </p:spTree>
     <p:extLst>
       <p:ext uri="{BB962C8B-B14F-4D97-AF65-F5344CB8AC3E}">
-        <p14:creationId xmlns:p14="http://schemas.microsoft.com/office/powerpoint/2010/main" val="2480381159"/>
+        <p14:creationId xmlns:p14="http://schemas.microsoft.com/office/powerpoint/2010/main" val="555778055"/>
       </p:ext>
     </p:extLst>
   </p:cSld>
@@ -1324,7 +1325,7 @@
           <a:p>
             <a:fld id="{9904CEAA-E788-4DE2-9447-F5116AA24646}" type="slidenum">
               <a:rPr lang="en-US" smtClean="0"/>
-              <a:t>17</a:t>
+              <a:t>18</a:t>
             </a:fld>
             <a:endParaRPr lang="en-US"/>
           </a:p>
@@ -1408,7 +1409,7 @@
           <a:p>
             <a:fld id="{9904CEAA-E788-4DE2-9447-F5116AA24646}" type="slidenum">
               <a:rPr lang="en-US" smtClean="0"/>
-              <a:t>18</a:t>
+              <a:t>19</a:t>
             </a:fld>
             <a:endParaRPr lang="en-US"/>
           </a:p>
@@ -1492,7 +1493,7 @@
           <a:p>
             <a:fld id="{9904CEAA-E788-4DE2-9447-F5116AA24646}" type="slidenum">
               <a:rPr lang="en-US" smtClean="0"/>
-              <a:t>19</a:t>
+              <a:t>20</a:t>
             </a:fld>
             <a:endParaRPr lang="en-US"/>
           </a:p>
@@ -3884,7 +3885,7 @@
           <a:p>
             <a:fld id="{B35F2496-72FD-400F-B0ED-EAD55AE930D7}" type="datetimeFigureOut">
               <a:rPr lang="en-US" smtClean="0"/>
-              <a:t>21/07/2023</a:t>
+              <a:t>7/21/2023</a:t>
             </a:fld>
             <a:endParaRPr lang="en-US"/>
           </a:p>
@@ -5503,314 +5504,6 @@
         </p:nvSpPr>
         <p:spPr>
           <a:xfrm>
-            <a:off x="190500" y="1225822"/>
-            <a:ext cx="8763000" cy="5029199"/>
-          </a:xfrm>
-        </p:spPr>
-        <p:txBody>
-          <a:bodyPr>
-            <a:normAutofit/>
-          </a:bodyPr>
-          <a:lstStyle/>
-          <a:p>
-            <a:pPr marL="457200" lvl="1" indent="0">
-              <a:lnSpc>
-                <a:spcPct val="150000"/>
-              </a:lnSpc>
-              <a:buNone/>
-            </a:pPr>
-            <a:endParaRPr lang="en-US" sz="2000"/>
-          </a:p>
-          <a:p>
-            <a:pPr lvl="2">
-              <a:lnSpc>
-                <a:spcPct val="150000"/>
-              </a:lnSpc>
-            </a:pPr>
-            <a:endParaRPr lang="en-US" sz="2000"/>
-          </a:p>
-          <a:p>
-            <a:pPr lvl="1">
-              <a:lnSpc>
-                <a:spcPct val="150000"/>
-              </a:lnSpc>
-            </a:pPr>
-            <a:endParaRPr lang="en-US" sz="2000" dirty="0"/>
-          </a:p>
-        </p:txBody>
-      </p:sp>
-      <p:sp>
-        <p:nvSpPr>
-          <p:cNvPr id="5" name="Title 1"/>
-          <p:cNvSpPr txBox="1">
-            <a:spLocks/>
-          </p:cNvSpPr>
-          <p:nvPr/>
-        </p:nvSpPr>
-        <p:spPr>
-          <a:xfrm>
-            <a:off x="457200" y="636097"/>
-            <a:ext cx="8229600" cy="457200"/>
-          </a:xfrm>
-          <a:prstGeom prst="rect">
-            <a:avLst/>
-          </a:prstGeom>
-        </p:spPr>
-        <p:txBody>
-          <a:bodyPr vert="horz" lIns="91440" tIns="45720" rIns="91440" bIns="45720" rtlCol="0" anchor="ctr">
-            <a:noAutofit/>
-          </a:bodyPr>
-          <a:lstStyle>
-            <a:lvl1pPr algn="l" defTabSz="914400" rtl="0" eaLnBrk="1" latinLnBrk="0" hangingPunct="1">
-              <a:spcBef>
-                <a:spcPct val="0"/>
-              </a:spcBef>
-              <a:buNone/>
-              <a:defRPr sz="2800" b="1" kern="1200">
-                <a:solidFill>
-                  <a:srgbClr val="A60000"/>
-                </a:solidFill>
-                <a:latin typeface="Tahoma" pitchFamily="34" charset="0"/>
-                <a:ea typeface="Tahoma" pitchFamily="34" charset="0"/>
-                <a:cs typeface="Tahoma" pitchFamily="34" charset="0"/>
-              </a:defRPr>
-            </a:lvl1pPr>
-          </a:lstStyle>
-          <a:p>
-            <a:r>
-              <a:rPr lang="en-US" sz="2400"/>
-              <a:t>5. Machine learning models</a:t>
-            </a:r>
-            <a:endParaRPr lang="en-US" sz="2400" dirty="0"/>
-          </a:p>
-        </p:txBody>
-      </p:sp>
-      <p:pic>
-        <p:nvPicPr>
-          <p:cNvPr id="6" name="Picture 5">
-            <a:extLst>
-              <a:ext uri="{FF2B5EF4-FFF2-40B4-BE49-F238E27FC236}">
-                <a16:creationId xmlns:a16="http://schemas.microsoft.com/office/drawing/2014/main" id="{CFB1398B-72DD-B565-BA93-FA3708AAB2AB}"/>
-              </a:ext>
-            </a:extLst>
-          </p:cNvPr>
-          <p:cNvPicPr>
-            <a:picLocks noChangeAspect="1"/>
-          </p:cNvPicPr>
-          <p:nvPr/>
-        </p:nvPicPr>
-        <p:blipFill>
-          <a:blip r:embed="rId3"/>
-          <a:stretch>
-            <a:fillRect/>
-          </a:stretch>
-        </p:blipFill>
-        <p:spPr>
-          <a:xfrm>
-            <a:off x="121832" y="1149622"/>
-            <a:ext cx="8945968" cy="5237924"/>
-          </a:xfrm>
-          <a:prstGeom prst="rect">
-            <a:avLst/>
-          </a:prstGeom>
-        </p:spPr>
-      </p:pic>
-    </p:spTree>
-    <p:extLst>
-      <p:ext uri="{BB962C8B-B14F-4D97-AF65-F5344CB8AC3E}">
-        <p14:creationId xmlns:p14="http://schemas.microsoft.com/office/powerpoint/2010/main" val="141040199"/>
-      </p:ext>
-    </p:extLst>
-  </p:cSld>
-  <p:clrMapOvr>
-    <a:masterClrMapping/>
-  </p:clrMapOvr>
-</p:sld>
-</file>
-
-<file path=ppt/slides/slide12.xml><?xml version="1.0" encoding="utf-8"?>
-<p:sld xmlns:a="http://schemas.openxmlformats.org/drawingml/2006/main" xmlns:r="http://schemas.openxmlformats.org/officeDocument/2006/relationships" xmlns:p="http://schemas.openxmlformats.org/presentationml/2006/main">
-  <p:cSld>
-    <p:spTree>
-      <p:nvGrpSpPr>
-        <p:cNvPr id="1" name=""/>
-        <p:cNvGrpSpPr/>
-        <p:nvPr/>
-      </p:nvGrpSpPr>
-      <p:grpSpPr>
-        <a:xfrm>
-          <a:off x="0" y="0"/>
-          <a:ext cx="0" cy="0"/>
-          <a:chOff x="0" y="0"/>
-          <a:chExt cx="0" cy="0"/>
-        </a:xfrm>
-      </p:grpSpPr>
-      <p:sp>
-        <p:nvSpPr>
-          <p:cNvPr id="3" name="Content Placeholder 2"/>
-          <p:cNvSpPr>
-            <a:spLocks noGrp="1"/>
-          </p:cNvSpPr>
-          <p:nvPr>
-            <p:ph idx="1"/>
-          </p:nvPr>
-        </p:nvSpPr>
-        <p:spPr>
-          <a:xfrm>
-            <a:off x="228600" y="1219200"/>
-            <a:ext cx="8763000" cy="5029199"/>
-          </a:xfrm>
-        </p:spPr>
-        <p:txBody>
-          <a:bodyPr>
-            <a:normAutofit/>
-          </a:bodyPr>
-          <a:lstStyle/>
-          <a:p>
-            <a:pPr marL="457200" lvl="1" indent="0">
-              <a:lnSpc>
-                <a:spcPct val="150000"/>
-              </a:lnSpc>
-              <a:buNone/>
-            </a:pPr>
-            <a:endParaRPr lang="en-US" sz="2000"/>
-          </a:p>
-          <a:p>
-            <a:pPr lvl="2">
-              <a:lnSpc>
-                <a:spcPct val="150000"/>
-              </a:lnSpc>
-            </a:pPr>
-            <a:endParaRPr lang="en-US" sz="2000"/>
-          </a:p>
-          <a:p>
-            <a:pPr lvl="1">
-              <a:lnSpc>
-                <a:spcPct val="150000"/>
-              </a:lnSpc>
-            </a:pPr>
-            <a:endParaRPr lang="en-US" sz="2000" dirty="0"/>
-          </a:p>
-        </p:txBody>
-      </p:sp>
-      <p:sp>
-        <p:nvSpPr>
-          <p:cNvPr id="5" name="Title 1"/>
-          <p:cNvSpPr txBox="1">
-            <a:spLocks/>
-          </p:cNvSpPr>
-          <p:nvPr/>
-        </p:nvSpPr>
-        <p:spPr>
-          <a:xfrm>
-            <a:off x="609600" y="685800"/>
-            <a:ext cx="8229600" cy="457200"/>
-          </a:xfrm>
-          <a:prstGeom prst="rect">
-            <a:avLst/>
-          </a:prstGeom>
-        </p:spPr>
-        <p:txBody>
-          <a:bodyPr vert="horz" lIns="91440" tIns="45720" rIns="91440" bIns="45720" rtlCol="0" anchor="ctr">
-            <a:noAutofit/>
-          </a:bodyPr>
-          <a:lstStyle>
-            <a:lvl1pPr algn="l" defTabSz="914400" rtl="0" eaLnBrk="1" latinLnBrk="0" hangingPunct="1">
-              <a:spcBef>
-                <a:spcPct val="0"/>
-              </a:spcBef>
-              <a:buNone/>
-              <a:defRPr sz="2800" b="1" kern="1200">
-                <a:solidFill>
-                  <a:srgbClr val="A60000"/>
-                </a:solidFill>
-                <a:latin typeface="Tahoma" pitchFamily="34" charset="0"/>
-                <a:ea typeface="Tahoma" pitchFamily="34" charset="0"/>
-                <a:cs typeface="Tahoma" pitchFamily="34" charset="0"/>
-              </a:defRPr>
-            </a:lvl1pPr>
-          </a:lstStyle>
-          <a:p>
-            <a:r>
-              <a:rPr lang="en-US" sz="2400"/>
-              <a:t>5. Machine learning models</a:t>
-            </a:r>
-            <a:endParaRPr lang="en-US" sz="2400" dirty="0"/>
-          </a:p>
-        </p:txBody>
-      </p:sp>
-      <p:pic>
-        <p:nvPicPr>
-          <p:cNvPr id="6" name="Picture 5">
-            <a:extLst>
-              <a:ext uri="{FF2B5EF4-FFF2-40B4-BE49-F238E27FC236}">
-                <a16:creationId xmlns:a16="http://schemas.microsoft.com/office/drawing/2014/main" id="{EF8380F4-D020-9AFF-1AA8-148DCFDDD241}"/>
-              </a:ext>
-            </a:extLst>
-          </p:cNvPr>
-          <p:cNvPicPr>
-            <a:picLocks noChangeAspect="1"/>
-          </p:cNvPicPr>
-          <p:nvPr/>
-        </p:nvPicPr>
-        <p:blipFill>
-          <a:blip r:embed="rId3"/>
-          <a:stretch>
-            <a:fillRect/>
-          </a:stretch>
-        </p:blipFill>
-        <p:spPr>
-          <a:xfrm>
-            <a:off x="73678" y="780820"/>
-            <a:ext cx="9070322" cy="5619980"/>
-          </a:xfrm>
-          <a:prstGeom prst="rect">
-            <a:avLst/>
-          </a:prstGeom>
-        </p:spPr>
-      </p:pic>
-    </p:spTree>
-    <p:extLst>
-      <p:ext uri="{BB962C8B-B14F-4D97-AF65-F5344CB8AC3E}">
-        <p14:creationId xmlns:p14="http://schemas.microsoft.com/office/powerpoint/2010/main" val="580051860"/>
-      </p:ext>
-    </p:extLst>
-  </p:cSld>
-  <p:clrMapOvr>
-    <a:masterClrMapping/>
-  </p:clrMapOvr>
-</p:sld>
-</file>
-
-<file path=ppt/slides/slide13.xml><?xml version="1.0" encoding="utf-8"?>
-<p:sld xmlns:a="http://schemas.openxmlformats.org/drawingml/2006/main" xmlns:r="http://schemas.openxmlformats.org/officeDocument/2006/relationships" xmlns:p="http://schemas.openxmlformats.org/presentationml/2006/main">
-  <p:cSld>
-    <p:spTree>
-      <p:nvGrpSpPr>
-        <p:cNvPr id="1" name=""/>
-        <p:cNvGrpSpPr/>
-        <p:nvPr/>
-      </p:nvGrpSpPr>
-      <p:grpSpPr>
-        <a:xfrm>
-          <a:off x="0" y="0"/>
-          <a:ext cx="0" cy="0"/>
-          <a:chOff x="0" y="0"/>
-          <a:chExt cx="0" cy="0"/>
-        </a:xfrm>
-      </p:grpSpPr>
-      <p:sp>
-        <p:nvSpPr>
-          <p:cNvPr id="3" name="Content Placeholder 2"/>
-          <p:cNvSpPr>
-            <a:spLocks noGrp="1"/>
-          </p:cNvSpPr>
-          <p:nvPr>
-            <p:ph idx="1"/>
-          </p:nvPr>
-        </p:nvSpPr>
-        <p:spPr>
-          <a:xfrm>
             <a:off x="228600" y="1219200"/>
             <a:ext cx="8763000" cy="5029199"/>
           </a:xfrm>
@@ -6271,6 +5964,314 @@
     <p:extLst>
       <p:ext uri="{BB962C8B-B14F-4D97-AF65-F5344CB8AC3E}">
         <p14:creationId xmlns:p14="http://schemas.microsoft.com/office/powerpoint/2010/main" val="1823285580"/>
+      </p:ext>
+    </p:extLst>
+  </p:cSld>
+  <p:clrMapOvr>
+    <a:masterClrMapping/>
+  </p:clrMapOvr>
+</p:sld>
+</file>
+
+<file path=ppt/slides/slide12.xml><?xml version="1.0" encoding="utf-8"?>
+<p:sld xmlns:a="http://schemas.openxmlformats.org/drawingml/2006/main" xmlns:r="http://schemas.openxmlformats.org/officeDocument/2006/relationships" xmlns:p="http://schemas.openxmlformats.org/presentationml/2006/main">
+  <p:cSld>
+    <p:spTree>
+      <p:nvGrpSpPr>
+        <p:cNvPr id="1" name=""/>
+        <p:cNvGrpSpPr/>
+        <p:nvPr/>
+      </p:nvGrpSpPr>
+      <p:grpSpPr>
+        <a:xfrm>
+          <a:off x="0" y="0"/>
+          <a:ext cx="0" cy="0"/>
+          <a:chOff x="0" y="0"/>
+          <a:chExt cx="0" cy="0"/>
+        </a:xfrm>
+      </p:grpSpPr>
+      <p:sp>
+        <p:nvSpPr>
+          <p:cNvPr id="3" name="Content Placeholder 2"/>
+          <p:cNvSpPr>
+            <a:spLocks noGrp="1"/>
+          </p:cNvSpPr>
+          <p:nvPr>
+            <p:ph idx="1"/>
+          </p:nvPr>
+        </p:nvSpPr>
+        <p:spPr>
+          <a:xfrm>
+            <a:off x="190500" y="1225822"/>
+            <a:ext cx="8763000" cy="5029199"/>
+          </a:xfrm>
+        </p:spPr>
+        <p:txBody>
+          <a:bodyPr>
+            <a:normAutofit/>
+          </a:bodyPr>
+          <a:lstStyle/>
+          <a:p>
+            <a:pPr marL="457200" lvl="1" indent="0">
+              <a:lnSpc>
+                <a:spcPct val="150000"/>
+              </a:lnSpc>
+              <a:buNone/>
+            </a:pPr>
+            <a:endParaRPr lang="en-US" sz="2000"/>
+          </a:p>
+          <a:p>
+            <a:pPr lvl="2">
+              <a:lnSpc>
+                <a:spcPct val="150000"/>
+              </a:lnSpc>
+            </a:pPr>
+            <a:endParaRPr lang="en-US" sz="2000"/>
+          </a:p>
+          <a:p>
+            <a:pPr lvl="1">
+              <a:lnSpc>
+                <a:spcPct val="150000"/>
+              </a:lnSpc>
+            </a:pPr>
+            <a:endParaRPr lang="en-US" sz="2000" dirty="0"/>
+          </a:p>
+        </p:txBody>
+      </p:sp>
+      <p:sp>
+        <p:nvSpPr>
+          <p:cNvPr id="5" name="Title 1"/>
+          <p:cNvSpPr txBox="1">
+            <a:spLocks/>
+          </p:cNvSpPr>
+          <p:nvPr/>
+        </p:nvSpPr>
+        <p:spPr>
+          <a:xfrm>
+            <a:off x="457200" y="636097"/>
+            <a:ext cx="8229600" cy="457200"/>
+          </a:xfrm>
+          <a:prstGeom prst="rect">
+            <a:avLst/>
+          </a:prstGeom>
+        </p:spPr>
+        <p:txBody>
+          <a:bodyPr vert="horz" lIns="91440" tIns="45720" rIns="91440" bIns="45720" rtlCol="0" anchor="ctr">
+            <a:noAutofit/>
+          </a:bodyPr>
+          <a:lstStyle>
+            <a:lvl1pPr algn="l" defTabSz="914400" rtl="0" eaLnBrk="1" latinLnBrk="0" hangingPunct="1">
+              <a:spcBef>
+                <a:spcPct val="0"/>
+              </a:spcBef>
+              <a:buNone/>
+              <a:defRPr sz="2800" b="1" kern="1200">
+                <a:solidFill>
+                  <a:srgbClr val="A60000"/>
+                </a:solidFill>
+                <a:latin typeface="Tahoma" pitchFamily="34" charset="0"/>
+                <a:ea typeface="Tahoma" pitchFamily="34" charset="0"/>
+                <a:cs typeface="Tahoma" pitchFamily="34" charset="0"/>
+              </a:defRPr>
+            </a:lvl1pPr>
+          </a:lstStyle>
+          <a:p>
+            <a:r>
+              <a:rPr lang="en-US" sz="2400"/>
+              <a:t>5. Machine learning models</a:t>
+            </a:r>
+            <a:endParaRPr lang="en-US" sz="2400" dirty="0"/>
+          </a:p>
+        </p:txBody>
+      </p:sp>
+      <p:pic>
+        <p:nvPicPr>
+          <p:cNvPr id="6" name="Picture 5">
+            <a:extLst>
+              <a:ext uri="{FF2B5EF4-FFF2-40B4-BE49-F238E27FC236}">
+                <a16:creationId xmlns:a16="http://schemas.microsoft.com/office/drawing/2014/main" id="{CFB1398B-72DD-B565-BA93-FA3708AAB2AB}"/>
+              </a:ext>
+            </a:extLst>
+          </p:cNvPr>
+          <p:cNvPicPr>
+            <a:picLocks noChangeAspect="1"/>
+          </p:cNvPicPr>
+          <p:nvPr/>
+        </p:nvPicPr>
+        <p:blipFill>
+          <a:blip r:embed="rId3"/>
+          <a:stretch>
+            <a:fillRect/>
+          </a:stretch>
+        </p:blipFill>
+        <p:spPr>
+          <a:xfrm>
+            <a:off x="121832" y="1149622"/>
+            <a:ext cx="8945968" cy="5237924"/>
+          </a:xfrm>
+          <a:prstGeom prst="rect">
+            <a:avLst/>
+          </a:prstGeom>
+        </p:spPr>
+      </p:pic>
+    </p:spTree>
+    <p:extLst>
+      <p:ext uri="{BB962C8B-B14F-4D97-AF65-F5344CB8AC3E}">
+        <p14:creationId xmlns:p14="http://schemas.microsoft.com/office/powerpoint/2010/main" val="141040199"/>
+      </p:ext>
+    </p:extLst>
+  </p:cSld>
+  <p:clrMapOvr>
+    <a:masterClrMapping/>
+  </p:clrMapOvr>
+</p:sld>
+</file>
+
+<file path=ppt/slides/slide13.xml><?xml version="1.0" encoding="utf-8"?>
+<p:sld xmlns:a="http://schemas.openxmlformats.org/drawingml/2006/main" xmlns:r="http://schemas.openxmlformats.org/officeDocument/2006/relationships" xmlns:p="http://schemas.openxmlformats.org/presentationml/2006/main">
+  <p:cSld>
+    <p:spTree>
+      <p:nvGrpSpPr>
+        <p:cNvPr id="1" name=""/>
+        <p:cNvGrpSpPr/>
+        <p:nvPr/>
+      </p:nvGrpSpPr>
+      <p:grpSpPr>
+        <a:xfrm>
+          <a:off x="0" y="0"/>
+          <a:ext cx="0" cy="0"/>
+          <a:chOff x="0" y="0"/>
+          <a:chExt cx="0" cy="0"/>
+        </a:xfrm>
+      </p:grpSpPr>
+      <p:sp>
+        <p:nvSpPr>
+          <p:cNvPr id="3" name="Content Placeholder 2"/>
+          <p:cNvSpPr>
+            <a:spLocks noGrp="1"/>
+          </p:cNvSpPr>
+          <p:nvPr>
+            <p:ph idx="1"/>
+          </p:nvPr>
+        </p:nvSpPr>
+        <p:spPr>
+          <a:xfrm>
+            <a:off x="228600" y="1219200"/>
+            <a:ext cx="8763000" cy="5029199"/>
+          </a:xfrm>
+        </p:spPr>
+        <p:txBody>
+          <a:bodyPr>
+            <a:normAutofit/>
+          </a:bodyPr>
+          <a:lstStyle/>
+          <a:p>
+            <a:pPr marL="457200" lvl="1" indent="0">
+              <a:lnSpc>
+                <a:spcPct val="150000"/>
+              </a:lnSpc>
+              <a:buNone/>
+            </a:pPr>
+            <a:endParaRPr lang="en-US" sz="2000"/>
+          </a:p>
+          <a:p>
+            <a:pPr lvl="2">
+              <a:lnSpc>
+                <a:spcPct val="150000"/>
+              </a:lnSpc>
+            </a:pPr>
+            <a:endParaRPr lang="en-US" sz="2000"/>
+          </a:p>
+          <a:p>
+            <a:pPr lvl="1">
+              <a:lnSpc>
+                <a:spcPct val="150000"/>
+              </a:lnSpc>
+            </a:pPr>
+            <a:endParaRPr lang="en-US" sz="2000" dirty="0"/>
+          </a:p>
+        </p:txBody>
+      </p:sp>
+      <p:sp>
+        <p:nvSpPr>
+          <p:cNvPr id="5" name="Title 1"/>
+          <p:cNvSpPr txBox="1">
+            <a:spLocks/>
+          </p:cNvSpPr>
+          <p:nvPr/>
+        </p:nvSpPr>
+        <p:spPr>
+          <a:xfrm>
+            <a:off x="609600" y="685800"/>
+            <a:ext cx="8229600" cy="457200"/>
+          </a:xfrm>
+          <a:prstGeom prst="rect">
+            <a:avLst/>
+          </a:prstGeom>
+        </p:spPr>
+        <p:txBody>
+          <a:bodyPr vert="horz" lIns="91440" tIns="45720" rIns="91440" bIns="45720" rtlCol="0" anchor="ctr">
+            <a:noAutofit/>
+          </a:bodyPr>
+          <a:lstStyle>
+            <a:lvl1pPr algn="l" defTabSz="914400" rtl="0" eaLnBrk="1" latinLnBrk="0" hangingPunct="1">
+              <a:spcBef>
+                <a:spcPct val="0"/>
+              </a:spcBef>
+              <a:buNone/>
+              <a:defRPr sz="2800" b="1" kern="1200">
+                <a:solidFill>
+                  <a:srgbClr val="A60000"/>
+                </a:solidFill>
+                <a:latin typeface="Tahoma" pitchFamily="34" charset="0"/>
+                <a:ea typeface="Tahoma" pitchFamily="34" charset="0"/>
+                <a:cs typeface="Tahoma" pitchFamily="34" charset="0"/>
+              </a:defRPr>
+            </a:lvl1pPr>
+          </a:lstStyle>
+          <a:p>
+            <a:r>
+              <a:rPr lang="en-US" sz="2400"/>
+              <a:t>5. Machine learning models</a:t>
+            </a:r>
+            <a:endParaRPr lang="en-US" sz="2400" dirty="0"/>
+          </a:p>
+        </p:txBody>
+      </p:sp>
+      <p:pic>
+        <p:nvPicPr>
+          <p:cNvPr id="6" name="Picture 5">
+            <a:extLst>
+              <a:ext uri="{FF2B5EF4-FFF2-40B4-BE49-F238E27FC236}">
+                <a16:creationId xmlns:a16="http://schemas.microsoft.com/office/drawing/2014/main" id="{EF8380F4-D020-9AFF-1AA8-148DCFDDD241}"/>
+              </a:ext>
+            </a:extLst>
+          </p:cNvPr>
+          <p:cNvPicPr>
+            <a:picLocks noChangeAspect="1"/>
+          </p:cNvPicPr>
+          <p:nvPr/>
+        </p:nvPicPr>
+        <p:blipFill>
+          <a:blip r:embed="rId3"/>
+          <a:stretch>
+            <a:fillRect/>
+          </a:stretch>
+        </p:blipFill>
+        <p:spPr>
+          <a:xfrm>
+            <a:off x="73678" y="780820"/>
+            <a:ext cx="9070322" cy="5619980"/>
+          </a:xfrm>
+          <a:prstGeom prst="rect">
+            <a:avLst/>
+          </a:prstGeom>
+        </p:spPr>
+      </p:pic>
+    </p:spTree>
+    <p:extLst>
+      <p:ext uri="{BB962C8B-B14F-4D97-AF65-F5344CB8AC3E}">
+        <p14:creationId xmlns:p14="http://schemas.microsoft.com/office/powerpoint/2010/main" val="580051860"/>
       </p:ext>
     </p:extLst>
   </p:cSld>
@@ -7138,6 +7139,289 @@
       </p:grpSpPr>
       <p:sp>
         <p:nvSpPr>
+          <p:cNvPr id="2" name="Title 1">
+            <a:extLst>
+              <a:ext uri="{FF2B5EF4-FFF2-40B4-BE49-F238E27FC236}">
+                <a16:creationId xmlns:a16="http://schemas.microsoft.com/office/drawing/2014/main" id="{DA3F77A7-33B6-25CA-6AE1-CDC8380E829A}"/>
+              </a:ext>
+            </a:extLst>
+          </p:cNvPr>
+          <p:cNvSpPr>
+            <a:spLocks noGrp="1"/>
+          </p:cNvSpPr>
+          <p:nvPr>
+            <p:ph type="title"/>
+          </p:nvPr>
+        </p:nvSpPr>
+        <p:spPr/>
+        <p:txBody>
+          <a:bodyPr/>
+          <a:lstStyle/>
+          <a:p>
+            <a:endParaRPr lang="en-US"/>
+          </a:p>
+        </p:txBody>
+      </p:sp>
+      <p:sp>
+        <p:nvSpPr>
+          <p:cNvPr id="3" name="Content Placeholder 2">
+            <a:extLst>
+              <a:ext uri="{FF2B5EF4-FFF2-40B4-BE49-F238E27FC236}">
+                <a16:creationId xmlns:a16="http://schemas.microsoft.com/office/drawing/2014/main" id="{9704F186-80A4-9E14-727F-FB077ACD28C9}"/>
+              </a:ext>
+            </a:extLst>
+          </p:cNvPr>
+          <p:cNvSpPr>
+            <a:spLocks noGrp="1"/>
+          </p:cNvSpPr>
+          <p:nvPr>
+            <p:ph idx="1"/>
+          </p:nvPr>
+        </p:nvSpPr>
+        <p:spPr/>
+        <p:txBody>
+          <a:bodyPr/>
+          <a:lstStyle/>
+          <a:p>
+            <a:endParaRPr lang="en-US"/>
+          </a:p>
+        </p:txBody>
+      </p:sp>
+      <p:pic>
+        <p:nvPicPr>
+          <p:cNvPr id="5" name="Picture 4">
+            <a:extLst>
+              <a:ext uri="{FF2B5EF4-FFF2-40B4-BE49-F238E27FC236}">
+                <a16:creationId xmlns:a16="http://schemas.microsoft.com/office/drawing/2014/main" id="{AF01BA37-4E0C-324F-51EE-75C148206BBE}"/>
+              </a:ext>
+            </a:extLst>
+          </p:cNvPr>
+          <p:cNvPicPr>
+            <a:picLocks noChangeAspect="1"/>
+          </p:cNvPicPr>
+          <p:nvPr/>
+        </p:nvPicPr>
+        <p:blipFill>
+          <a:blip r:embed="rId2"/>
+          <a:stretch>
+            <a:fillRect/>
+          </a:stretch>
+        </p:blipFill>
+        <p:spPr>
+          <a:xfrm>
+            <a:off x="0" y="-43376"/>
+            <a:ext cx="4763216" cy="6858000"/>
+          </a:xfrm>
+          <a:prstGeom prst="rect">
+            <a:avLst/>
+          </a:prstGeom>
+        </p:spPr>
+      </p:pic>
+      <p:pic>
+        <p:nvPicPr>
+          <p:cNvPr id="7" name="Picture 6">
+            <a:extLst>
+              <a:ext uri="{FF2B5EF4-FFF2-40B4-BE49-F238E27FC236}">
+                <a16:creationId xmlns:a16="http://schemas.microsoft.com/office/drawing/2014/main" id="{186BB7DB-FD61-4E78-DEFC-2F37F23E71EA}"/>
+              </a:ext>
+            </a:extLst>
+          </p:cNvPr>
+          <p:cNvPicPr>
+            <a:picLocks noChangeAspect="1"/>
+          </p:cNvPicPr>
+          <p:nvPr/>
+        </p:nvPicPr>
+        <p:blipFill>
+          <a:blip r:embed="rId3"/>
+          <a:stretch>
+            <a:fillRect/>
+          </a:stretch>
+        </p:blipFill>
+        <p:spPr>
+          <a:xfrm>
+            <a:off x="4763216" y="-24618"/>
+            <a:ext cx="4280844" cy="3505200"/>
+          </a:xfrm>
+          <a:prstGeom prst="rect">
+            <a:avLst/>
+          </a:prstGeom>
+        </p:spPr>
+      </p:pic>
+      <p:pic>
+        <p:nvPicPr>
+          <p:cNvPr id="9" name="Picture 8">
+            <a:extLst>
+              <a:ext uri="{FF2B5EF4-FFF2-40B4-BE49-F238E27FC236}">
+                <a16:creationId xmlns:a16="http://schemas.microsoft.com/office/drawing/2014/main" id="{D547B48B-751E-68FC-00D0-2F161315D3B3}"/>
+              </a:ext>
+            </a:extLst>
+          </p:cNvPr>
+          <p:cNvPicPr>
+            <a:picLocks noChangeAspect="1"/>
+          </p:cNvPicPr>
+          <p:nvPr/>
+        </p:nvPicPr>
+        <p:blipFill>
+          <a:blip r:embed="rId4"/>
+          <a:stretch>
+            <a:fillRect/>
+          </a:stretch>
+        </p:blipFill>
+        <p:spPr>
+          <a:xfrm>
+            <a:off x="3352800" y="-43376"/>
+            <a:ext cx="5844422" cy="6858000"/>
+          </a:xfrm>
+          <a:prstGeom prst="rect">
+            <a:avLst/>
+          </a:prstGeom>
+          <a:solidFill>
+            <a:srgbClr val="FFFFFF">
+              <a:shade val="85000"/>
+            </a:srgbClr>
+          </a:solidFill>
+          <a:ln w="88900" cap="sq">
+            <a:solidFill>
+              <a:srgbClr val="FFFFFF"/>
+            </a:solidFill>
+            <a:miter lim="800000"/>
+          </a:ln>
+          <a:effectLst>
+            <a:outerShdw blurRad="55000" dist="18000" dir="5400000" algn="tl" rotWithShape="0">
+              <a:srgbClr val="000000">
+                <a:alpha val="40000"/>
+              </a:srgbClr>
+            </a:outerShdw>
+          </a:effectLst>
+          <a:scene3d>
+            <a:camera prst="orthographicFront"/>
+            <a:lightRig rig="twoPt" dir="t">
+              <a:rot lat="0" lon="0" rev="7200000"/>
+            </a:lightRig>
+          </a:scene3d>
+          <a:sp3d>
+            <a:bevelT w="25400" h="19050"/>
+            <a:contourClr>
+              <a:srgbClr val="FFFFFF"/>
+            </a:contourClr>
+          </a:sp3d>
+        </p:spPr>
+      </p:pic>
+    </p:spTree>
+    <p:extLst>
+      <p:ext uri="{BB962C8B-B14F-4D97-AF65-F5344CB8AC3E}">
+        <p14:creationId xmlns:p14="http://schemas.microsoft.com/office/powerpoint/2010/main" val="702849656"/>
+      </p:ext>
+    </p:extLst>
+  </p:cSld>
+  <p:clrMapOvr>
+    <a:masterClrMapping/>
+  </p:clrMapOvr>
+  <p:timing>
+    <p:tnLst>
+      <p:par>
+        <p:cTn id="1" dur="indefinite" restart="never" nodeType="tmRoot">
+          <p:childTnLst>
+            <p:seq concurrent="1" nextAc="seek">
+              <p:cTn id="2" dur="indefinite" nodeType="mainSeq">
+                <p:childTnLst>
+                  <p:par>
+                    <p:cTn id="3" fill="hold">
+                      <p:stCondLst>
+                        <p:cond delay="indefinite"/>
+                      </p:stCondLst>
+                      <p:childTnLst>
+                        <p:par>
+                          <p:cTn id="4" fill="hold">
+                            <p:stCondLst>
+                              <p:cond delay="0"/>
+                            </p:stCondLst>
+                            <p:childTnLst>
+                              <p:par>
+                                <p:cTn id="5" presetID="10" presetClass="entr" presetSubtype="0" fill="hold" nodeType="clickEffect">
+                                  <p:stCondLst>
+                                    <p:cond delay="0"/>
+                                  </p:stCondLst>
+                                  <p:childTnLst>
+                                    <p:set>
+                                      <p:cBhvr>
+                                        <p:cTn id="6" dur="1" fill="hold">
+                                          <p:stCondLst>
+                                            <p:cond delay="0"/>
+                                          </p:stCondLst>
+                                        </p:cTn>
+                                        <p:tgtEl>
+                                          <p:spTgt spid="9"/>
+                                        </p:tgtEl>
+                                        <p:attrNameLst>
+                                          <p:attrName>style.visibility</p:attrName>
+                                        </p:attrNameLst>
+                                      </p:cBhvr>
+                                      <p:to>
+                                        <p:strVal val="visible"/>
+                                      </p:to>
+                                    </p:set>
+                                    <p:animEffect transition="in" filter="fade">
+                                      <p:cBhvr>
+                                        <p:cTn id="7" dur="500"/>
+                                        <p:tgtEl>
+                                          <p:spTgt spid="9"/>
+                                        </p:tgtEl>
+                                      </p:cBhvr>
+                                    </p:animEffect>
+                                  </p:childTnLst>
+                                </p:cTn>
+                              </p:par>
+                            </p:childTnLst>
+                          </p:cTn>
+                        </p:par>
+                      </p:childTnLst>
+                    </p:cTn>
+                  </p:par>
+                </p:childTnLst>
+              </p:cTn>
+              <p:prevCondLst>
+                <p:cond evt="onPrev" delay="0">
+                  <p:tgtEl>
+                    <p:sldTgt/>
+                  </p:tgtEl>
+                </p:cond>
+              </p:prevCondLst>
+              <p:nextCondLst>
+                <p:cond evt="onNext" delay="0">
+                  <p:tgtEl>
+                    <p:sldTgt/>
+                  </p:tgtEl>
+                </p:cond>
+              </p:nextCondLst>
+            </p:seq>
+          </p:childTnLst>
+        </p:cTn>
+      </p:par>
+    </p:tnLst>
+  </p:timing>
+</p:sld>
+</file>
+
+<file path=ppt/slides/slide18.xml><?xml version="1.0" encoding="utf-8"?>
+<p:sld xmlns:a="http://schemas.openxmlformats.org/drawingml/2006/main" xmlns:r="http://schemas.openxmlformats.org/officeDocument/2006/relationships" xmlns:p="http://schemas.openxmlformats.org/presentationml/2006/main">
+  <p:cSld>
+    <p:spTree>
+      <p:nvGrpSpPr>
+        <p:cNvPr id="1" name=""/>
+        <p:cNvGrpSpPr/>
+        <p:nvPr/>
+      </p:nvGrpSpPr>
+      <p:grpSpPr>
+        <a:xfrm>
+          <a:off x="0" y="0"/>
+          <a:ext cx="0" cy="0"/>
+          <a:chOff x="0" y="0"/>
+          <a:chExt cx="0" cy="0"/>
+        </a:xfrm>
+      </p:grpSpPr>
+      <p:sp>
+        <p:nvSpPr>
           <p:cNvPr id="3" name="Rectangle 2"/>
           <p:cNvSpPr/>
           <p:nvPr/>
@@ -7264,337 +7548,6 @@
     <p:extLst>
       <p:ext uri="{BB962C8B-B14F-4D97-AF65-F5344CB8AC3E}">
         <p14:creationId xmlns:p14="http://schemas.microsoft.com/office/powerpoint/2010/main" val="2263312501"/>
-      </p:ext>
-    </p:extLst>
-  </p:cSld>
-  <p:clrMapOvr>
-    <a:masterClrMapping/>
-  </p:clrMapOvr>
-</p:sld>
-</file>
-
-<file path=ppt/slides/slide18.xml><?xml version="1.0" encoding="utf-8"?>
-<p:sld xmlns:a="http://schemas.openxmlformats.org/drawingml/2006/main" xmlns:r="http://schemas.openxmlformats.org/officeDocument/2006/relationships" xmlns:p="http://schemas.openxmlformats.org/presentationml/2006/main">
-  <p:cSld>
-    <p:spTree>
-      <p:nvGrpSpPr>
-        <p:cNvPr id="1" name=""/>
-        <p:cNvGrpSpPr/>
-        <p:nvPr/>
-      </p:nvGrpSpPr>
-      <p:grpSpPr>
-        <a:xfrm>
-          <a:off x="0" y="0"/>
-          <a:ext cx="0" cy="0"/>
-          <a:chOff x="0" y="0"/>
-          <a:chExt cx="0" cy="0"/>
-        </a:xfrm>
-      </p:grpSpPr>
-      <p:sp>
-        <p:nvSpPr>
-          <p:cNvPr id="3" name="Content Placeholder 2"/>
-          <p:cNvSpPr>
-            <a:spLocks noGrp="1"/>
-          </p:cNvSpPr>
-          <p:nvPr>
-            <p:ph idx="1"/>
-          </p:nvPr>
-        </p:nvSpPr>
-        <p:spPr>
-          <a:xfrm>
-            <a:off x="228600" y="1219200"/>
-            <a:ext cx="8763000" cy="5029199"/>
-          </a:xfrm>
-        </p:spPr>
-        <p:txBody>
-          <a:bodyPr>
-            <a:normAutofit/>
-          </a:bodyPr>
-          <a:lstStyle/>
-          <a:p>
-            <a:pPr marL="457200" lvl="1" indent="0">
-              <a:lnSpc>
-                <a:spcPct val="150000"/>
-              </a:lnSpc>
-              <a:buNone/>
-            </a:pPr>
-            <a:endParaRPr lang="en-US" sz="2000"/>
-          </a:p>
-          <a:p>
-            <a:pPr lvl="2">
-              <a:lnSpc>
-                <a:spcPct val="150000"/>
-              </a:lnSpc>
-            </a:pPr>
-            <a:endParaRPr lang="en-US" sz="2000"/>
-          </a:p>
-          <a:p>
-            <a:pPr lvl="1">
-              <a:lnSpc>
-                <a:spcPct val="150000"/>
-              </a:lnSpc>
-            </a:pPr>
-            <a:endParaRPr lang="en-US" sz="2000" dirty="0"/>
-          </a:p>
-        </p:txBody>
-      </p:sp>
-      <p:sp>
-        <p:nvSpPr>
-          <p:cNvPr id="5" name="Title 1"/>
-          <p:cNvSpPr txBox="1">
-            <a:spLocks/>
-          </p:cNvSpPr>
-          <p:nvPr/>
-        </p:nvSpPr>
-        <p:spPr>
-          <a:xfrm>
-            <a:off x="609600" y="685800"/>
-            <a:ext cx="8229600" cy="457200"/>
-          </a:xfrm>
-          <a:prstGeom prst="rect">
-            <a:avLst/>
-          </a:prstGeom>
-        </p:spPr>
-        <p:txBody>
-          <a:bodyPr vert="horz" lIns="91440" tIns="45720" rIns="91440" bIns="45720" rtlCol="0" anchor="ctr">
-            <a:noAutofit/>
-          </a:bodyPr>
-          <a:lstStyle>
-            <a:lvl1pPr algn="l" defTabSz="914400" rtl="0" eaLnBrk="1" latinLnBrk="0" hangingPunct="1">
-              <a:spcBef>
-                <a:spcPct val="0"/>
-              </a:spcBef>
-              <a:buNone/>
-              <a:defRPr sz="2800" b="1" kern="1200">
-                <a:solidFill>
-                  <a:srgbClr val="A60000"/>
-                </a:solidFill>
-                <a:latin typeface="Tahoma" pitchFamily="34" charset="0"/>
-                <a:ea typeface="Tahoma" pitchFamily="34" charset="0"/>
-                <a:cs typeface="Tahoma" pitchFamily="34" charset="0"/>
-              </a:defRPr>
-            </a:lvl1pPr>
-          </a:lstStyle>
-          <a:p>
-            <a:r>
-              <a:rPr lang="en-US" sz="2400"/>
-              <a:t>8. Lesson Learned - Things went well</a:t>
-            </a:r>
-            <a:endParaRPr lang="en-US" sz="2400" dirty="0"/>
-          </a:p>
-        </p:txBody>
-      </p:sp>
-      <p:sp>
-        <p:nvSpPr>
-          <p:cNvPr id="4" name="TextBox 3">
-            <a:extLst>
-              <a:ext uri="{FF2B5EF4-FFF2-40B4-BE49-F238E27FC236}">
-                <a16:creationId xmlns:a16="http://schemas.microsoft.com/office/drawing/2014/main" id="{3EAEF24E-EF23-201F-ABEB-124B877E08D7}"/>
-              </a:ext>
-            </a:extLst>
-          </p:cNvPr>
-          <p:cNvSpPr txBox="1"/>
-          <p:nvPr/>
-        </p:nvSpPr>
-        <p:spPr>
-          <a:xfrm>
-            <a:off x="609600" y="1290102"/>
-            <a:ext cx="8305800" cy="5492273"/>
-          </a:xfrm>
-          <a:prstGeom prst="rect">
-            <a:avLst/>
-          </a:prstGeom>
-          <a:noFill/>
-        </p:spPr>
-        <p:txBody>
-          <a:bodyPr wrap="square">
-            <a:spAutoFit/>
-          </a:bodyPr>
-          <a:lstStyle/>
-          <a:p>
-            <a:pPr marL="342900" lvl="0" indent="-342900">
-              <a:lnSpc>
-                <a:spcPct val="150000"/>
-              </a:lnSpc>
-              <a:buFont typeface="Wingdings" panose="05000000000000000000" pitchFamily="2" charset="2"/>
-              <a:buChar char="Ø"/>
-              <a:tabLst>
-                <a:tab pos="457200" algn="l"/>
-              </a:tabLst>
-            </a:pPr>
-            <a:r>
-              <a:rPr lang="en-US" sz="1800">
-                <a:solidFill>
-                  <a:srgbClr val="374151"/>
-                </a:solidFill>
-                <a:effectLst/>
-                <a:latin typeface="Segoe UI" panose="020B0502040204020203" pitchFamily="34" charset="0"/>
-                <a:ea typeface="Times New Roman" panose="02020603050405020304" pitchFamily="18" charset="0"/>
-              </a:rPr>
-              <a:t>Understanding the Fundamentals of ML concepts and ML algorithms.</a:t>
-            </a:r>
-            <a:endParaRPr lang="en-US" sz="1800">
-              <a:effectLst/>
-              <a:latin typeface="Times New Roman" panose="02020603050405020304" pitchFamily="18" charset="0"/>
-              <a:ea typeface="Times New Roman" panose="02020603050405020304" pitchFamily="18" charset="0"/>
-            </a:endParaRPr>
-          </a:p>
-          <a:p>
-            <a:pPr marL="342900" lvl="0" indent="-342900">
-              <a:lnSpc>
-                <a:spcPct val="150000"/>
-              </a:lnSpc>
-              <a:buFont typeface="Wingdings" panose="05000000000000000000" pitchFamily="2" charset="2"/>
-              <a:buChar char="Ø"/>
-              <a:tabLst>
-                <a:tab pos="457200" algn="l"/>
-              </a:tabLst>
-            </a:pPr>
-            <a:r>
-              <a:rPr lang="en-US" sz="1800">
-                <a:solidFill>
-                  <a:srgbClr val="374151"/>
-                </a:solidFill>
-                <a:effectLst/>
-                <a:latin typeface="Segoe UI" panose="020B0502040204020203" pitchFamily="34" charset="0"/>
-                <a:ea typeface="Times New Roman" panose="02020603050405020304" pitchFamily="18" charset="0"/>
-              </a:rPr>
-              <a:t>Practice some types of Machine Learning Algorithms: Linear Regression, Decision Tree, RandomForest</a:t>
-            </a:r>
-            <a:endParaRPr lang="en-US" sz="1800">
-              <a:effectLst/>
-              <a:latin typeface="Times New Roman" panose="02020603050405020304" pitchFamily="18" charset="0"/>
-              <a:ea typeface="Times New Roman" panose="02020603050405020304" pitchFamily="18" charset="0"/>
-            </a:endParaRPr>
-          </a:p>
-          <a:p>
-            <a:pPr marL="342900" lvl="0" indent="-342900">
-              <a:lnSpc>
-                <a:spcPct val="150000"/>
-              </a:lnSpc>
-              <a:buFont typeface="Wingdings" panose="05000000000000000000" pitchFamily="2" charset="2"/>
-              <a:buChar char="Ø"/>
-              <a:tabLst>
-                <a:tab pos="457200" algn="l"/>
-              </a:tabLst>
-            </a:pPr>
-            <a:r>
-              <a:rPr lang="en-US" sz="1800">
-                <a:solidFill>
-                  <a:srgbClr val="374151"/>
-                </a:solidFill>
-                <a:effectLst/>
-                <a:latin typeface="Segoe UI" panose="020B0502040204020203" pitchFamily="34" charset="0"/>
-                <a:ea typeface="Times New Roman" panose="02020603050405020304" pitchFamily="18" charset="0"/>
-              </a:rPr>
-              <a:t>Understanding and Practicing Data Preprocessing, Model Selection and Evaluation: the methods to evaluate models such as Mean Squared Error, R-squared, và F1-score. Visualizing dataset. Apply the pipeline of Data Analysis.</a:t>
-            </a:r>
-          </a:p>
-          <a:p>
-            <a:pPr marL="342900" lvl="0" indent="-342900">
-              <a:lnSpc>
-                <a:spcPct val="150000"/>
-              </a:lnSpc>
-              <a:buFont typeface="Wingdings" panose="05000000000000000000" pitchFamily="2" charset="2"/>
-              <a:buChar char="Ø"/>
-              <a:tabLst>
-                <a:tab pos="457200" algn="l"/>
-              </a:tabLst>
-            </a:pPr>
-            <a:r>
-              <a:rPr lang="en-US">
-                <a:solidFill>
-                  <a:srgbClr val="374151"/>
-                </a:solidFill>
-                <a:latin typeface="Segoe UI" panose="020B0502040204020203" pitchFamily="34" charset="0"/>
-                <a:ea typeface="Times New Roman" panose="02020603050405020304" pitchFamily="18" charset="0"/>
-              </a:rPr>
-              <a:t>Use the various technologies AWS, Streamlit, Python, PyCham, Notebooks, Git, …</a:t>
-            </a:r>
-            <a:endParaRPr lang="en-US" sz="1800">
-              <a:effectLst/>
-              <a:latin typeface="Times New Roman" panose="02020603050405020304" pitchFamily="18" charset="0"/>
-              <a:ea typeface="Times New Roman" panose="02020603050405020304" pitchFamily="18" charset="0"/>
-            </a:endParaRPr>
-          </a:p>
-          <a:p>
-            <a:pPr marL="342900" lvl="0" indent="-342900">
-              <a:lnSpc>
-                <a:spcPct val="150000"/>
-              </a:lnSpc>
-              <a:buFont typeface="Wingdings" panose="05000000000000000000" pitchFamily="2" charset="2"/>
-              <a:buChar char="Ø"/>
-              <a:tabLst>
-                <a:tab pos="457200" algn="l"/>
-              </a:tabLst>
-            </a:pPr>
-            <a:r>
-              <a:rPr lang="en-US" sz="1800">
-                <a:solidFill>
-                  <a:srgbClr val="FF0000"/>
-                </a:solidFill>
-                <a:effectLst/>
-                <a:latin typeface="Segoe UI" panose="020B0502040204020203" pitchFamily="34" charset="0"/>
-                <a:ea typeface="Times New Roman" panose="02020603050405020304" pitchFamily="18" charset="0"/>
-              </a:rPr>
-              <a:t>Demonstrate the “Real-world” Applications: Apply ML Algorithms/ Models that we have learned to solve “the real” problems. (just a small case)</a:t>
-            </a:r>
-            <a:endParaRPr lang="en-US" sz="1800">
-              <a:effectLst/>
-              <a:latin typeface="Times New Roman" panose="02020603050405020304" pitchFamily="18" charset="0"/>
-              <a:ea typeface="Times New Roman" panose="02020603050405020304" pitchFamily="18" charset="0"/>
-            </a:endParaRPr>
-          </a:p>
-          <a:p>
-            <a:pPr marL="342900" lvl="0" indent="-342900">
-              <a:lnSpc>
-                <a:spcPct val="150000"/>
-              </a:lnSpc>
-              <a:buFont typeface="Wingdings" panose="05000000000000000000" pitchFamily="2" charset="2"/>
-              <a:buChar char="Ø"/>
-              <a:tabLst>
-                <a:tab pos="457200" algn="l"/>
-              </a:tabLst>
-            </a:pPr>
-            <a:r>
-              <a:rPr lang="en-US" sz="1800">
-                <a:solidFill>
-                  <a:srgbClr val="FF0000"/>
-                </a:solidFill>
-                <a:effectLst/>
-                <a:latin typeface="Segoe UI" panose="020B0502040204020203" pitchFamily="34" charset="0"/>
-                <a:ea typeface="Times New Roman" panose="02020603050405020304" pitchFamily="18" charset="0"/>
-              </a:rPr>
-              <a:t>How to / the approach to deliver the course ML to students (lectures/ Quiz, Assignments, team projects, teamwork…)</a:t>
-            </a:r>
-            <a:endParaRPr lang="en-US" sz="1800">
-              <a:effectLst/>
-              <a:latin typeface="Times New Roman" panose="02020603050405020304" pitchFamily="18" charset="0"/>
-              <a:ea typeface="Times New Roman" panose="02020603050405020304" pitchFamily="18" charset="0"/>
-            </a:endParaRPr>
-          </a:p>
-          <a:p>
-            <a:pPr marL="342900" indent="-342900" algn="l">
-              <a:lnSpc>
-                <a:spcPct val="150000"/>
-              </a:lnSpc>
-              <a:buFont typeface="Wingdings" panose="05000000000000000000" pitchFamily="2" charset="2"/>
-              <a:buChar char="Ø"/>
-            </a:pPr>
-            <a:endParaRPr lang="en-US" sz="2000" b="0" i="0">
-              <a:solidFill>
-                <a:srgbClr val="374151"/>
-              </a:solidFill>
-              <a:effectLst/>
-              <a:latin typeface="Söhne"/>
-            </a:endParaRPr>
-          </a:p>
-        </p:txBody>
-      </p:sp>
-    </p:spTree>
-    <p:extLst>
-      <p:ext uri="{BB962C8B-B14F-4D97-AF65-F5344CB8AC3E}">
-        <p14:creationId xmlns:p14="http://schemas.microsoft.com/office/powerpoint/2010/main" val="3705396092"/>
       </p:ext>
     </p:extLst>
   </p:cSld>
@@ -7709,7 +7662,7 @@
           <a:p>
             <a:r>
               <a:rPr lang="en-US" sz="2400"/>
-              <a:t>8. Lesson Learned - Things not went well</a:t>
+              <a:t>8. Lesson Learned - Things went well</a:t>
             </a:r>
             <a:endParaRPr lang="en-US" sz="2400" dirty="0"/>
           </a:p>
@@ -7730,7 +7683,7 @@
         <p:spPr>
           <a:xfrm>
             <a:off x="609600" y="1290102"/>
-            <a:ext cx="8305800" cy="3276282"/>
+            <a:ext cx="8305800" cy="5492273"/>
           </a:xfrm>
           <a:prstGeom prst="rect">
             <a:avLst/>
@@ -7742,6 +7695,168 @@
             <a:spAutoFit/>
           </a:bodyPr>
           <a:lstStyle/>
+          <a:p>
+            <a:pPr marL="342900" lvl="0" indent="-342900">
+              <a:lnSpc>
+                <a:spcPct val="150000"/>
+              </a:lnSpc>
+              <a:buFont typeface="Wingdings" panose="05000000000000000000" pitchFamily="2" charset="2"/>
+              <a:buChar char="Ø"/>
+              <a:tabLst>
+                <a:tab pos="457200" algn="l"/>
+              </a:tabLst>
+            </a:pPr>
+            <a:r>
+              <a:rPr lang="en-US" sz="1800">
+                <a:solidFill>
+                  <a:srgbClr val="374151"/>
+                </a:solidFill>
+                <a:effectLst/>
+                <a:latin typeface="Segoe UI" panose="020B0502040204020203" pitchFamily="34" charset="0"/>
+                <a:ea typeface="Times New Roman" panose="02020603050405020304" pitchFamily="18" charset="0"/>
+              </a:rPr>
+              <a:t>Understanding the Fundamentals of ML concepts and ML algorithms.</a:t>
+            </a:r>
+            <a:endParaRPr lang="en-US" sz="1800">
+              <a:effectLst/>
+              <a:latin typeface="Times New Roman" panose="02020603050405020304" pitchFamily="18" charset="0"/>
+              <a:ea typeface="Times New Roman" panose="02020603050405020304" pitchFamily="18" charset="0"/>
+            </a:endParaRPr>
+          </a:p>
+          <a:p>
+            <a:pPr marL="342900" lvl="0" indent="-342900">
+              <a:lnSpc>
+                <a:spcPct val="150000"/>
+              </a:lnSpc>
+              <a:buFont typeface="Wingdings" panose="05000000000000000000" pitchFamily="2" charset="2"/>
+              <a:buChar char="Ø"/>
+              <a:tabLst>
+                <a:tab pos="457200" algn="l"/>
+              </a:tabLst>
+            </a:pPr>
+            <a:r>
+              <a:rPr lang="en-US" sz="1800">
+                <a:solidFill>
+                  <a:srgbClr val="374151"/>
+                </a:solidFill>
+                <a:effectLst/>
+                <a:latin typeface="Segoe UI" panose="020B0502040204020203" pitchFamily="34" charset="0"/>
+                <a:ea typeface="Times New Roman" panose="02020603050405020304" pitchFamily="18" charset="0"/>
+              </a:rPr>
+              <a:t>Practice some types of Machine Learning Algorithms: Linear Regression, Decision Tree, RandomForest</a:t>
+            </a:r>
+            <a:endParaRPr lang="en-US" sz="1800">
+              <a:effectLst/>
+              <a:latin typeface="Times New Roman" panose="02020603050405020304" pitchFamily="18" charset="0"/>
+              <a:ea typeface="Times New Roman" panose="02020603050405020304" pitchFamily="18" charset="0"/>
+            </a:endParaRPr>
+          </a:p>
+          <a:p>
+            <a:pPr marL="342900" lvl="0" indent="-342900">
+              <a:lnSpc>
+                <a:spcPct val="150000"/>
+              </a:lnSpc>
+              <a:buFont typeface="Wingdings" panose="05000000000000000000" pitchFamily="2" charset="2"/>
+              <a:buChar char="Ø"/>
+              <a:tabLst>
+                <a:tab pos="457200" algn="l"/>
+              </a:tabLst>
+            </a:pPr>
+            <a:r>
+              <a:rPr lang="en-US" sz="1800">
+                <a:solidFill>
+                  <a:srgbClr val="374151"/>
+                </a:solidFill>
+                <a:effectLst/>
+                <a:latin typeface="Segoe UI" panose="020B0502040204020203" pitchFamily="34" charset="0"/>
+                <a:ea typeface="Times New Roman" panose="02020603050405020304" pitchFamily="18" charset="0"/>
+              </a:rPr>
+              <a:t>Understanding and Practicing Data Preprocessing, Model Selection and Evaluation: the methods to evaluate models such as Mean Squared Error, R-squared, và F1-score. Visualizing dataset. Apply the pipeline of Data Analysis.</a:t>
+            </a:r>
+          </a:p>
+          <a:p>
+            <a:pPr marL="342900" lvl="0" indent="-342900">
+              <a:lnSpc>
+                <a:spcPct val="150000"/>
+              </a:lnSpc>
+              <a:buFont typeface="Wingdings" panose="05000000000000000000" pitchFamily="2" charset="2"/>
+              <a:buChar char="Ø"/>
+              <a:tabLst>
+                <a:tab pos="457200" algn="l"/>
+              </a:tabLst>
+            </a:pPr>
+            <a:r>
+              <a:rPr lang="en-US">
+                <a:solidFill>
+                  <a:srgbClr val="374151"/>
+                </a:solidFill>
+                <a:latin typeface="Segoe UI" panose="020B0502040204020203" pitchFamily="34" charset="0"/>
+                <a:ea typeface="Times New Roman" panose="02020603050405020304" pitchFamily="18" charset="0"/>
+              </a:rPr>
+              <a:t>Use the various technologies AWS, Streamlit, Python, PyCham, Notebooks, Git, …</a:t>
+            </a:r>
+            <a:endParaRPr lang="en-US" sz="1800">
+              <a:effectLst/>
+              <a:latin typeface="Times New Roman" panose="02020603050405020304" pitchFamily="18" charset="0"/>
+              <a:ea typeface="Times New Roman" panose="02020603050405020304" pitchFamily="18" charset="0"/>
+            </a:endParaRPr>
+          </a:p>
+          <a:p>
+            <a:pPr marL="342900" lvl="0" indent="-342900">
+              <a:lnSpc>
+                <a:spcPct val="150000"/>
+              </a:lnSpc>
+              <a:buFont typeface="Wingdings" panose="05000000000000000000" pitchFamily="2" charset="2"/>
+              <a:buChar char="Ø"/>
+              <a:tabLst>
+                <a:tab pos="457200" algn="l"/>
+              </a:tabLst>
+            </a:pPr>
+            <a:r>
+              <a:rPr lang="en-US" sz="1800">
+                <a:solidFill>
+                  <a:srgbClr val="FF0000"/>
+                </a:solidFill>
+                <a:effectLst/>
+                <a:latin typeface="Segoe UI" panose="020B0502040204020203" pitchFamily="34" charset="0"/>
+                <a:ea typeface="Times New Roman" panose="02020603050405020304" pitchFamily="18" charset="0"/>
+              </a:rPr>
+              <a:t>Demonstrate the “Real-world” Applications: Apply ML Algorithms/ Models that we have learned to solve “the real” problems. (just a small case)</a:t>
+            </a:r>
+            <a:endParaRPr lang="en-US" sz="1800">
+              <a:effectLst/>
+              <a:latin typeface="Times New Roman" panose="02020603050405020304" pitchFamily="18" charset="0"/>
+              <a:ea typeface="Times New Roman" panose="02020603050405020304" pitchFamily="18" charset="0"/>
+            </a:endParaRPr>
+          </a:p>
+          <a:p>
+            <a:pPr marL="342900" lvl="0" indent="-342900">
+              <a:lnSpc>
+                <a:spcPct val="150000"/>
+              </a:lnSpc>
+              <a:buFont typeface="Wingdings" panose="05000000000000000000" pitchFamily="2" charset="2"/>
+              <a:buChar char="Ø"/>
+              <a:tabLst>
+                <a:tab pos="457200" algn="l"/>
+              </a:tabLst>
+            </a:pPr>
+            <a:r>
+              <a:rPr lang="en-US" sz="1800">
+                <a:solidFill>
+                  <a:srgbClr val="FF0000"/>
+                </a:solidFill>
+                <a:effectLst/>
+                <a:latin typeface="Segoe UI" panose="020B0502040204020203" pitchFamily="34" charset="0"/>
+                <a:ea typeface="Times New Roman" panose="02020603050405020304" pitchFamily="18" charset="0"/>
+              </a:rPr>
+              <a:t>How to / the approach to deliver the course ML to students (lectures/ Quiz, Assignments, team projects, teamwork…)</a:t>
+            </a:r>
+            <a:endParaRPr lang="en-US" sz="1800">
+              <a:effectLst/>
+              <a:latin typeface="Times New Roman" panose="02020603050405020304" pitchFamily="18" charset="0"/>
+              <a:ea typeface="Times New Roman" panose="02020603050405020304" pitchFamily="18" charset="0"/>
+            </a:endParaRPr>
+          </a:p>
           <a:p>
             <a:pPr marL="342900" indent="-342900" algn="l">
               <a:lnSpc>
@@ -7750,34 +7865,6 @@
               <a:buFont typeface="Wingdings" panose="05000000000000000000" pitchFamily="2" charset="2"/>
               <a:buChar char="Ø"/>
             </a:pPr>
-            <a:r>
-              <a:rPr lang="en-US" sz="2000" b="0" i="0">
-                <a:solidFill>
-                  <a:srgbClr val="374151"/>
-                </a:solidFill>
-                <a:effectLst/>
-                <a:latin typeface="Söhne"/>
-              </a:rPr>
-              <a:t>ML is indeed a challenge for some team members: Machine Learning (ML) can be a challenge for some team members as it requires specific skills and in-depth knowledge.</a:t>
-            </a:r>
-          </a:p>
-          <a:p>
-            <a:pPr marL="342900" indent="-342900" algn="l">
-              <a:lnSpc>
-                <a:spcPct val="150000"/>
-              </a:lnSpc>
-              <a:buFont typeface="Wingdings" panose="05000000000000000000" pitchFamily="2" charset="2"/>
-              <a:buChar char="Ø"/>
-            </a:pPr>
-            <a:r>
-              <a:rPr lang="en-US" sz="2000">
-                <a:solidFill>
-                  <a:srgbClr val="374151"/>
-                </a:solidFill>
-                <a:latin typeface="Söhne"/>
-              </a:rPr>
-              <a:t>We have to research and practice more about clustering, classification, and tuning the performance of the models, etc.,</a:t>
-            </a:r>
             <a:endParaRPr lang="en-US" sz="2000" b="0" i="0">
               <a:solidFill>
                 <a:srgbClr val="374151"/>
@@ -7786,59 +7873,12 @@
               <a:latin typeface="Söhne"/>
             </a:endParaRPr>
           </a:p>
-          <a:p>
-            <a:pPr marL="342900" indent="-342900" algn="l">
-              <a:lnSpc>
-                <a:spcPct val="150000"/>
-              </a:lnSpc>
-              <a:buFont typeface="Wingdings" panose="05000000000000000000" pitchFamily="2" charset="2"/>
-              <a:buChar char="Ø"/>
-            </a:pPr>
-            <a:r>
-              <a:rPr lang="en-US" sz="2000" b="0" i="0">
-                <a:solidFill>
-                  <a:srgbClr val="374151"/>
-                </a:solidFill>
-                <a:effectLst/>
-                <a:latin typeface="Söhne"/>
-              </a:rPr>
-              <a:t>The deployment of the AWS infrastructure has not been successful</a:t>
-            </a:r>
-            <a:r>
-              <a:rPr lang="en-US" sz="2000">
-                <a:solidFill>
-                  <a:srgbClr val="374151"/>
-                </a:solidFill>
-                <a:latin typeface="Söhne"/>
-              </a:rPr>
-              <a:t>.</a:t>
-            </a:r>
-          </a:p>
-          <a:p>
-            <a:pPr marL="342900" indent="-342900" algn="l">
-              <a:lnSpc>
-                <a:spcPct val="150000"/>
-              </a:lnSpc>
-              <a:buFont typeface="Wingdings" panose="05000000000000000000" pitchFamily="2" charset="2"/>
-              <a:buChar char="Ø"/>
-            </a:pPr>
-            <a:r>
-              <a:rPr lang="en-US" sz="2000" b="0" i="0">
-                <a:solidFill>
-                  <a:srgbClr val="374151"/>
-                </a:solidFill>
-                <a:effectLst/>
-                <a:latin typeface="Söhne"/>
-              </a:rPr>
-              <a:t> </a:t>
-            </a:r>
-          </a:p>
         </p:txBody>
       </p:sp>
     </p:spTree>
     <p:extLst>
       <p:ext uri="{BB962C8B-B14F-4D97-AF65-F5344CB8AC3E}">
-        <p14:creationId xmlns:p14="http://schemas.microsoft.com/office/powerpoint/2010/main" val="225650745"/>
+        <p14:creationId xmlns:p14="http://schemas.microsoft.com/office/powerpoint/2010/main" val="3705396092"/>
       </p:ext>
     </p:extLst>
   </p:cSld>
@@ -8147,6 +8187,250 @@
 </file>
 
 <file path=ppt/slides/slide20.xml><?xml version="1.0" encoding="utf-8"?>
+<p:sld xmlns:a="http://schemas.openxmlformats.org/drawingml/2006/main" xmlns:r="http://schemas.openxmlformats.org/officeDocument/2006/relationships" xmlns:p="http://schemas.openxmlformats.org/presentationml/2006/main">
+  <p:cSld>
+    <p:spTree>
+      <p:nvGrpSpPr>
+        <p:cNvPr id="1" name=""/>
+        <p:cNvGrpSpPr/>
+        <p:nvPr/>
+      </p:nvGrpSpPr>
+      <p:grpSpPr>
+        <a:xfrm>
+          <a:off x="0" y="0"/>
+          <a:ext cx="0" cy="0"/>
+          <a:chOff x="0" y="0"/>
+          <a:chExt cx="0" cy="0"/>
+        </a:xfrm>
+      </p:grpSpPr>
+      <p:sp>
+        <p:nvSpPr>
+          <p:cNvPr id="3" name="Content Placeholder 2"/>
+          <p:cNvSpPr>
+            <a:spLocks noGrp="1"/>
+          </p:cNvSpPr>
+          <p:nvPr>
+            <p:ph idx="1"/>
+          </p:nvPr>
+        </p:nvSpPr>
+        <p:spPr>
+          <a:xfrm>
+            <a:off x="228600" y="1219200"/>
+            <a:ext cx="8763000" cy="5029199"/>
+          </a:xfrm>
+        </p:spPr>
+        <p:txBody>
+          <a:bodyPr>
+            <a:normAutofit/>
+          </a:bodyPr>
+          <a:lstStyle/>
+          <a:p>
+            <a:pPr marL="457200" lvl="1" indent="0">
+              <a:lnSpc>
+                <a:spcPct val="150000"/>
+              </a:lnSpc>
+              <a:buNone/>
+            </a:pPr>
+            <a:endParaRPr lang="en-US" sz="2000"/>
+          </a:p>
+          <a:p>
+            <a:pPr lvl="2">
+              <a:lnSpc>
+                <a:spcPct val="150000"/>
+              </a:lnSpc>
+            </a:pPr>
+            <a:endParaRPr lang="en-US" sz="2000"/>
+          </a:p>
+          <a:p>
+            <a:pPr lvl="1">
+              <a:lnSpc>
+                <a:spcPct val="150000"/>
+              </a:lnSpc>
+            </a:pPr>
+            <a:endParaRPr lang="en-US" sz="2000" dirty="0"/>
+          </a:p>
+        </p:txBody>
+      </p:sp>
+      <p:sp>
+        <p:nvSpPr>
+          <p:cNvPr id="5" name="Title 1"/>
+          <p:cNvSpPr txBox="1">
+            <a:spLocks/>
+          </p:cNvSpPr>
+          <p:nvPr/>
+        </p:nvSpPr>
+        <p:spPr>
+          <a:xfrm>
+            <a:off x="609600" y="685800"/>
+            <a:ext cx="8229600" cy="457200"/>
+          </a:xfrm>
+          <a:prstGeom prst="rect">
+            <a:avLst/>
+          </a:prstGeom>
+        </p:spPr>
+        <p:txBody>
+          <a:bodyPr vert="horz" lIns="91440" tIns="45720" rIns="91440" bIns="45720" rtlCol="0" anchor="ctr">
+            <a:noAutofit/>
+          </a:bodyPr>
+          <a:lstStyle>
+            <a:lvl1pPr algn="l" defTabSz="914400" rtl="0" eaLnBrk="1" latinLnBrk="0" hangingPunct="1">
+              <a:spcBef>
+                <a:spcPct val="0"/>
+              </a:spcBef>
+              <a:buNone/>
+              <a:defRPr sz="2800" b="1" kern="1200">
+                <a:solidFill>
+                  <a:srgbClr val="A60000"/>
+                </a:solidFill>
+                <a:latin typeface="Tahoma" pitchFamily="34" charset="0"/>
+                <a:ea typeface="Tahoma" pitchFamily="34" charset="0"/>
+                <a:cs typeface="Tahoma" pitchFamily="34" charset="0"/>
+              </a:defRPr>
+            </a:lvl1pPr>
+          </a:lstStyle>
+          <a:p>
+            <a:r>
+              <a:rPr lang="en-US" sz="2400"/>
+              <a:t>8. Lesson Learned - Things not went well</a:t>
+            </a:r>
+            <a:endParaRPr lang="en-US" sz="2400" dirty="0"/>
+          </a:p>
+        </p:txBody>
+      </p:sp>
+      <p:sp>
+        <p:nvSpPr>
+          <p:cNvPr id="4" name="TextBox 3">
+            <a:extLst>
+              <a:ext uri="{FF2B5EF4-FFF2-40B4-BE49-F238E27FC236}">
+                <a16:creationId xmlns:a16="http://schemas.microsoft.com/office/drawing/2014/main" id="{3EAEF24E-EF23-201F-ABEB-124B877E08D7}"/>
+              </a:ext>
+            </a:extLst>
+          </p:cNvPr>
+          <p:cNvSpPr txBox="1"/>
+          <p:nvPr/>
+        </p:nvSpPr>
+        <p:spPr>
+          <a:xfrm>
+            <a:off x="609600" y="1290102"/>
+            <a:ext cx="8305800" cy="3276282"/>
+          </a:xfrm>
+          <a:prstGeom prst="rect">
+            <a:avLst/>
+          </a:prstGeom>
+          <a:noFill/>
+        </p:spPr>
+        <p:txBody>
+          <a:bodyPr wrap="square">
+            <a:spAutoFit/>
+          </a:bodyPr>
+          <a:lstStyle/>
+          <a:p>
+            <a:pPr marL="342900" indent="-342900" algn="l">
+              <a:lnSpc>
+                <a:spcPct val="150000"/>
+              </a:lnSpc>
+              <a:buFont typeface="Wingdings" panose="05000000000000000000" pitchFamily="2" charset="2"/>
+              <a:buChar char="Ø"/>
+            </a:pPr>
+            <a:r>
+              <a:rPr lang="en-US" sz="2000" b="0" i="0">
+                <a:solidFill>
+                  <a:srgbClr val="374151"/>
+                </a:solidFill>
+                <a:effectLst/>
+                <a:latin typeface="Söhne"/>
+              </a:rPr>
+              <a:t>ML is indeed a challenge for some team members: Machine Learning (ML) can be a challenge for some team members as it requires specific skills and in-depth knowledge.</a:t>
+            </a:r>
+          </a:p>
+          <a:p>
+            <a:pPr marL="342900" indent="-342900" algn="l">
+              <a:lnSpc>
+                <a:spcPct val="150000"/>
+              </a:lnSpc>
+              <a:buFont typeface="Wingdings" panose="05000000000000000000" pitchFamily="2" charset="2"/>
+              <a:buChar char="Ø"/>
+            </a:pPr>
+            <a:r>
+              <a:rPr lang="en-US" sz="2000">
+                <a:solidFill>
+                  <a:srgbClr val="374151"/>
+                </a:solidFill>
+                <a:latin typeface="Söhne"/>
+              </a:rPr>
+              <a:t>We have to research and practice more about clustering, classification, and tuning the performance of the models, etc.,</a:t>
+            </a:r>
+            <a:endParaRPr lang="en-US" sz="2000" b="0" i="0">
+              <a:solidFill>
+                <a:srgbClr val="374151"/>
+              </a:solidFill>
+              <a:effectLst/>
+              <a:latin typeface="Söhne"/>
+            </a:endParaRPr>
+          </a:p>
+          <a:p>
+            <a:pPr marL="342900" indent="-342900" algn="l">
+              <a:lnSpc>
+                <a:spcPct val="150000"/>
+              </a:lnSpc>
+              <a:buFont typeface="Wingdings" panose="05000000000000000000" pitchFamily="2" charset="2"/>
+              <a:buChar char="Ø"/>
+            </a:pPr>
+            <a:r>
+              <a:rPr lang="en-US" sz="2000" b="0" i="0">
+                <a:solidFill>
+                  <a:srgbClr val="374151"/>
+                </a:solidFill>
+                <a:effectLst/>
+                <a:latin typeface="Söhne"/>
+              </a:rPr>
+              <a:t>The deployment of the AWS infrastructure has not been successful</a:t>
+            </a:r>
+            <a:r>
+              <a:rPr lang="en-US" sz="2000">
+                <a:solidFill>
+                  <a:srgbClr val="374151"/>
+                </a:solidFill>
+                <a:latin typeface="Söhne"/>
+              </a:rPr>
+              <a:t>.</a:t>
+            </a:r>
+          </a:p>
+          <a:p>
+            <a:pPr marL="342900" indent="-342900" algn="l">
+              <a:lnSpc>
+                <a:spcPct val="150000"/>
+              </a:lnSpc>
+              <a:buFont typeface="Wingdings" panose="05000000000000000000" pitchFamily="2" charset="2"/>
+              <a:buChar char="Ø"/>
+            </a:pPr>
+            <a:r>
+              <a:rPr lang="en-US" sz="2000" b="0" i="0">
+                <a:solidFill>
+                  <a:srgbClr val="374151"/>
+                </a:solidFill>
+                <a:effectLst/>
+                <a:latin typeface="Söhne"/>
+              </a:rPr>
+              <a:t> </a:t>
+            </a:r>
+          </a:p>
+        </p:txBody>
+      </p:sp>
+    </p:spTree>
+    <p:extLst>
+      <p:ext uri="{BB962C8B-B14F-4D97-AF65-F5344CB8AC3E}">
+        <p14:creationId xmlns:p14="http://schemas.microsoft.com/office/powerpoint/2010/main" val="225650745"/>
+      </p:ext>
+    </p:extLst>
+  </p:cSld>
+  <p:clrMapOvr>
+    <a:masterClrMapping/>
+  </p:clrMapOvr>
+</p:sld>
+</file>
+
+<file path=ppt/slides/slide21.xml><?xml version="1.0" encoding="utf-8"?>
 <p:sld xmlns:a="http://schemas.openxmlformats.org/drawingml/2006/main" xmlns:r="http://schemas.openxmlformats.org/officeDocument/2006/relationships" xmlns:p="http://schemas.openxmlformats.org/presentationml/2006/main">
   <p:cSld>
     <p:spTree>
